--- a/3ПКС-120/_Сети_Лаб_/Лаб_7_ШатиловАрсенийОлегович_3ПКС-120.pptx
+++ b/3ПКС-120/_Сети_Лаб_/Лаб_7_ШатиловАрсенийОлегович_3ПКС-120.pptx
@@ -118,6 +118,11 @@
       </a:defRPr>
     </a:lvl9pPr>
   </p:defaultTextStyle>
+  <p:extLst>
+    <p:ext uri="{EFAFB233-063F-42B5-8137-9DF3F51BA10A}">
+      <p15:sldGuideLst xmlns:p15="http://schemas.microsoft.com/office/powerpoint/2012/main"/>
+    </p:ext>
+  </p:extLst>
 </p:presentation>
 </file>
 
@@ -143,7 +148,7 @@
           <p:cNvPr id="2" name="Title 1">
             <a:extLst>
               <a:ext uri="{FF2B5EF4-FFF2-40B4-BE49-F238E27FC236}">
-                <a16:creationId xmlns:a16="http://schemas.microsoft.com/office/drawing/2014/main" id="{47B58E14-23EC-4C25-974C-48FA83988655}"/>
+                <a16:creationId xmlns:a16="http://schemas.microsoft.com/office/drawing/2014/main" xmlns="" id="{47B58E14-23EC-4C25-974C-48FA83988655}"/>
               </a:ext>
             </a:extLst>
           </p:cNvPr>
@@ -183,7 +188,7 @@
           <p:cNvPr id="3" name="Subtitle 2">
             <a:extLst>
               <a:ext uri="{FF2B5EF4-FFF2-40B4-BE49-F238E27FC236}">
-                <a16:creationId xmlns:a16="http://schemas.microsoft.com/office/drawing/2014/main" id="{2E9FEDD4-20A1-49F6-9E3E-0B26B426BB73}"/>
+                <a16:creationId xmlns:a16="http://schemas.microsoft.com/office/drawing/2014/main" xmlns="" id="{2E9FEDD4-20A1-49F6-9E3E-0B26B426BB73}"/>
               </a:ext>
             </a:extLst>
           </p:cNvPr>
@@ -259,7 +264,7 @@
           <p:cNvPr id="4" name="Date Placeholder 3">
             <a:extLst>
               <a:ext uri="{FF2B5EF4-FFF2-40B4-BE49-F238E27FC236}">
-                <a16:creationId xmlns:a16="http://schemas.microsoft.com/office/drawing/2014/main" id="{6580A32F-E6F3-4C2E-B9E3-E47868E42511}"/>
+                <a16:creationId xmlns:a16="http://schemas.microsoft.com/office/drawing/2014/main" xmlns="" id="{6580A32F-E6F3-4C2E-B9E3-E47868E42511}"/>
               </a:ext>
             </a:extLst>
           </p:cNvPr>
@@ -277,7 +282,7 @@
           <a:p>
             <a:fld id="{5E7AA473-D82F-4EFF-9DF7-AE6D83C51288}" type="datetime1">
               <a:rPr lang="en-US" smtClean="0"/>
-              <a:t>3/31/2023</a:t>
+              <a:t>10/5/2023</a:t>
             </a:fld>
             <a:endParaRPr lang="en-US"/>
           </a:p>
@@ -288,7 +293,7 @@
           <p:cNvPr id="5" name="Footer Placeholder 4">
             <a:extLst>
               <a:ext uri="{FF2B5EF4-FFF2-40B4-BE49-F238E27FC236}">
-                <a16:creationId xmlns:a16="http://schemas.microsoft.com/office/drawing/2014/main" id="{78806724-A87A-4231-BFD9-277482AF78CF}"/>
+                <a16:creationId xmlns:a16="http://schemas.microsoft.com/office/drawing/2014/main" xmlns="" id="{78806724-A87A-4231-BFD9-277482AF78CF}"/>
               </a:ext>
             </a:extLst>
           </p:cNvPr>
@@ -313,7 +318,7 @@
           <p:cNvPr id="6" name="Slide Number Placeholder 5">
             <a:extLst>
               <a:ext uri="{FF2B5EF4-FFF2-40B4-BE49-F238E27FC236}">
-                <a16:creationId xmlns:a16="http://schemas.microsoft.com/office/drawing/2014/main" id="{E730D1AF-36B8-4BB8-BD6A-71194F7BC31C}"/>
+                <a16:creationId xmlns:a16="http://schemas.microsoft.com/office/drawing/2014/main" xmlns="" id="{E730D1AF-36B8-4BB8-BD6A-71194F7BC31C}"/>
               </a:ext>
             </a:extLst>
           </p:cNvPr>
@@ -342,10 +347,10 @@
           <p:cNvPr id="8" name="Rectangle 7">
             <a:extLst>
               <a:ext uri="{FF2B5EF4-FFF2-40B4-BE49-F238E27FC236}">
-                <a16:creationId xmlns:a16="http://schemas.microsoft.com/office/drawing/2014/main" id="{F3FF94B3-6D3E-44FE-BB02-A9027C0003C7}"/>
+                <a16:creationId xmlns:a16="http://schemas.microsoft.com/office/drawing/2014/main" xmlns="" id="{F3FF94B3-6D3E-44FE-BB02-A9027C0003C7}"/>
               </a:ext>
               <a:ext uri="{C183D7F6-B498-43B3-948B-1728B52AA6E4}">
-                <adec:decorative xmlns:adec="http://schemas.microsoft.com/office/drawing/2017/decorative" val="1"/>
+                <adec:decorative xmlns:adec="http://schemas.microsoft.com/office/drawing/2017/decorative" xmlns="" val="1"/>
               </a:ext>
             </a:extLst>
           </p:cNvPr>
@@ -427,7 +432,7 @@
           <p:cNvPr id="2" name="Title 1">
             <a:extLst>
               <a:ext uri="{FF2B5EF4-FFF2-40B4-BE49-F238E27FC236}">
-                <a16:creationId xmlns:a16="http://schemas.microsoft.com/office/drawing/2014/main" id="{63DF6B8E-1D8E-4105-9BBB-D53AD24B7381}"/>
+                <a16:creationId xmlns:a16="http://schemas.microsoft.com/office/drawing/2014/main" xmlns="" id="{63DF6B8E-1D8E-4105-9BBB-D53AD24B7381}"/>
               </a:ext>
             </a:extLst>
           </p:cNvPr>
@@ -456,7 +461,7 @@
           <p:cNvPr id="3" name="Vertical Text Placeholder 2">
             <a:extLst>
               <a:ext uri="{FF2B5EF4-FFF2-40B4-BE49-F238E27FC236}">
-                <a16:creationId xmlns:a16="http://schemas.microsoft.com/office/drawing/2014/main" id="{03825530-6629-4FEA-9670-EB21A2F5BA4F}"/>
+                <a16:creationId xmlns:a16="http://schemas.microsoft.com/office/drawing/2014/main" xmlns="" id="{03825530-6629-4FEA-9670-EB21A2F5BA4F}"/>
               </a:ext>
             </a:extLst>
           </p:cNvPr>
@@ -513,7 +518,7 @@
           <p:cNvPr id="4" name="Date Placeholder 3">
             <a:extLst>
               <a:ext uri="{FF2B5EF4-FFF2-40B4-BE49-F238E27FC236}">
-                <a16:creationId xmlns:a16="http://schemas.microsoft.com/office/drawing/2014/main" id="{DC664C7A-A73F-46F5-BC33-696671DAEEE7}"/>
+                <a16:creationId xmlns:a16="http://schemas.microsoft.com/office/drawing/2014/main" xmlns="" id="{DC664C7A-A73F-46F5-BC33-696671DAEEE7}"/>
               </a:ext>
             </a:extLst>
           </p:cNvPr>
@@ -531,7 +536,7 @@
           <a:p>
             <a:fld id="{1E12F1F0-FE2D-4C1C-B320-8CB9BE735F0F}" type="datetime1">
               <a:rPr lang="en-US" smtClean="0"/>
-              <a:t>3/31/2023</a:t>
+              <a:t>10/5/2023</a:t>
             </a:fld>
             <a:endParaRPr lang="en-US"/>
           </a:p>
@@ -542,7 +547,7 @@
           <p:cNvPr id="5" name="Footer Placeholder 4">
             <a:extLst>
               <a:ext uri="{FF2B5EF4-FFF2-40B4-BE49-F238E27FC236}">
-                <a16:creationId xmlns:a16="http://schemas.microsoft.com/office/drawing/2014/main" id="{512B3CC0-B649-4509-A4B6-DF9D20EFACE6}"/>
+                <a16:creationId xmlns:a16="http://schemas.microsoft.com/office/drawing/2014/main" xmlns="" id="{512B3CC0-B649-4509-A4B6-DF9D20EFACE6}"/>
               </a:ext>
             </a:extLst>
           </p:cNvPr>
@@ -567,7 +572,7 @@
           <p:cNvPr id="6" name="Slide Number Placeholder 5">
             <a:extLst>
               <a:ext uri="{FF2B5EF4-FFF2-40B4-BE49-F238E27FC236}">
-                <a16:creationId xmlns:a16="http://schemas.microsoft.com/office/drawing/2014/main" id="{72CECCCA-3F2A-46F3-BF45-7C862FF1D752}"/>
+                <a16:creationId xmlns:a16="http://schemas.microsoft.com/office/drawing/2014/main" xmlns="" id="{72CECCCA-3F2A-46F3-BF45-7C862FF1D752}"/>
               </a:ext>
             </a:extLst>
           </p:cNvPr>
@@ -626,10 +631,10 @@
           <p:cNvPr id="10" name="Rectangle 9">
             <a:extLst>
               <a:ext uri="{FF2B5EF4-FFF2-40B4-BE49-F238E27FC236}">
-                <a16:creationId xmlns:a16="http://schemas.microsoft.com/office/drawing/2014/main" id="{BD7BD47B-C187-494C-812F-46BE0040B915}"/>
+                <a16:creationId xmlns:a16="http://schemas.microsoft.com/office/drawing/2014/main" xmlns="" id="{BD7BD47B-C187-494C-812F-46BE0040B915}"/>
               </a:ext>
               <a:ext uri="{C183D7F6-B498-43B3-948B-1728B52AA6E4}">
-                <adec:decorative xmlns:adec="http://schemas.microsoft.com/office/drawing/2017/decorative" val="1"/>
+                <adec:decorative xmlns:adec="http://schemas.microsoft.com/office/drawing/2017/decorative" xmlns="" val="1"/>
               </a:ext>
             </a:extLst>
           </p:cNvPr>
@@ -684,7 +689,7 @@
           <p:cNvPr id="2" name="Vertical Title 1">
             <a:extLst>
               <a:ext uri="{FF2B5EF4-FFF2-40B4-BE49-F238E27FC236}">
-                <a16:creationId xmlns:a16="http://schemas.microsoft.com/office/drawing/2014/main" id="{5A50133B-2446-4168-AA17-6538910668FD}"/>
+                <a16:creationId xmlns:a16="http://schemas.microsoft.com/office/drawing/2014/main" xmlns="" id="{5A50133B-2446-4168-AA17-6538910668FD}"/>
               </a:ext>
             </a:extLst>
           </p:cNvPr>
@@ -718,7 +723,7 @@
           <p:cNvPr id="3" name="Vertical Text Placeholder 2">
             <a:extLst>
               <a:ext uri="{FF2B5EF4-FFF2-40B4-BE49-F238E27FC236}">
-                <a16:creationId xmlns:a16="http://schemas.microsoft.com/office/drawing/2014/main" id="{C006A9AD-2756-4C51-A958-6756301EB938}"/>
+                <a16:creationId xmlns:a16="http://schemas.microsoft.com/office/drawing/2014/main" xmlns="" id="{C006A9AD-2756-4C51-A958-6756301EB938}"/>
               </a:ext>
             </a:extLst>
           </p:cNvPr>
@@ -781,7 +786,7 @@
           <p:cNvPr id="4" name="Date Placeholder 3">
             <a:extLst>
               <a:ext uri="{FF2B5EF4-FFF2-40B4-BE49-F238E27FC236}">
-                <a16:creationId xmlns:a16="http://schemas.microsoft.com/office/drawing/2014/main" id="{1E42995D-CCEA-43AF-973B-8B6B56A567E8}"/>
+                <a16:creationId xmlns:a16="http://schemas.microsoft.com/office/drawing/2014/main" xmlns="" id="{1E42995D-CCEA-43AF-973B-8B6B56A567E8}"/>
               </a:ext>
             </a:extLst>
           </p:cNvPr>
@@ -799,7 +804,7 @@
           <a:p>
             <a:fld id="{2CF1B96C-10FD-4EBC-9029-9652B7535D02}" type="datetime1">
               <a:rPr lang="en-US" smtClean="0"/>
-              <a:t>3/31/2023</a:t>
+              <a:t>10/5/2023</a:t>
             </a:fld>
             <a:endParaRPr lang="en-US"/>
           </a:p>
@@ -810,7 +815,7 @@
           <p:cNvPr id="5" name="Footer Placeholder 4">
             <a:extLst>
               <a:ext uri="{FF2B5EF4-FFF2-40B4-BE49-F238E27FC236}">
-                <a16:creationId xmlns:a16="http://schemas.microsoft.com/office/drawing/2014/main" id="{2A4029CF-BA62-4CCD-956E-FFA0B37B8A3D}"/>
+                <a16:creationId xmlns:a16="http://schemas.microsoft.com/office/drawing/2014/main" xmlns="" id="{2A4029CF-BA62-4CCD-956E-FFA0B37B8A3D}"/>
               </a:ext>
             </a:extLst>
           </p:cNvPr>
@@ -835,7 +840,7 @@
           <p:cNvPr id="6" name="Slide Number Placeholder 5">
             <a:extLst>
               <a:ext uri="{FF2B5EF4-FFF2-40B4-BE49-F238E27FC236}">
-                <a16:creationId xmlns:a16="http://schemas.microsoft.com/office/drawing/2014/main" id="{F2CE0B3D-96AB-41B3-ABDD-5B0DE863DAFC}"/>
+                <a16:creationId xmlns:a16="http://schemas.microsoft.com/office/drawing/2014/main" xmlns="" id="{F2CE0B3D-96AB-41B3-ABDD-5B0DE863DAFC}"/>
               </a:ext>
             </a:extLst>
           </p:cNvPr>
@@ -864,10 +869,10 @@
           <p:cNvPr id="12" name="Rectangle 11">
             <a:extLst>
               <a:ext uri="{FF2B5EF4-FFF2-40B4-BE49-F238E27FC236}">
-                <a16:creationId xmlns:a16="http://schemas.microsoft.com/office/drawing/2014/main" id="{4618136A-0796-46EB-89BB-4C73C0258FE9}"/>
+                <a16:creationId xmlns:a16="http://schemas.microsoft.com/office/drawing/2014/main" xmlns="" id="{4618136A-0796-46EB-89BB-4C73C0258FE9}"/>
               </a:ext>
               <a:ext uri="{C183D7F6-B498-43B3-948B-1728B52AA6E4}">
-                <adec:decorative xmlns:adec="http://schemas.microsoft.com/office/drawing/2017/decorative" val="1"/>
+                <adec:decorative xmlns:adec="http://schemas.microsoft.com/office/drawing/2017/decorative" xmlns="" val="1"/>
               </a:ext>
             </a:extLst>
           </p:cNvPr>
@@ -949,7 +954,7 @@
           <p:cNvPr id="2" name="Title 1">
             <a:extLst>
               <a:ext uri="{FF2B5EF4-FFF2-40B4-BE49-F238E27FC236}">
-                <a16:creationId xmlns:a16="http://schemas.microsoft.com/office/drawing/2014/main" id="{DD363D8A-C68D-4CF9-9D15-3E09BCC09F66}"/>
+                <a16:creationId xmlns:a16="http://schemas.microsoft.com/office/drawing/2014/main" xmlns="" id="{DD363D8A-C68D-4CF9-9D15-3E09BCC09F66}"/>
               </a:ext>
             </a:extLst>
           </p:cNvPr>
@@ -978,7 +983,7 @@
           <p:cNvPr id="3" name="Content Placeholder 2">
             <a:extLst>
               <a:ext uri="{FF2B5EF4-FFF2-40B4-BE49-F238E27FC236}">
-                <a16:creationId xmlns:a16="http://schemas.microsoft.com/office/drawing/2014/main" id="{8524D94C-E537-4FF3-AAF8-A85F05C31A7E}"/>
+                <a16:creationId xmlns:a16="http://schemas.microsoft.com/office/drawing/2014/main" xmlns="" id="{8524D94C-E537-4FF3-AAF8-A85F05C31A7E}"/>
               </a:ext>
             </a:extLst>
           </p:cNvPr>
@@ -1035,7 +1040,7 @@
           <p:cNvPr id="4" name="Date Placeholder 3">
             <a:extLst>
               <a:ext uri="{FF2B5EF4-FFF2-40B4-BE49-F238E27FC236}">
-                <a16:creationId xmlns:a16="http://schemas.microsoft.com/office/drawing/2014/main" id="{0824B1D4-6731-4993-8609-16C1D3327986}"/>
+                <a16:creationId xmlns:a16="http://schemas.microsoft.com/office/drawing/2014/main" xmlns="" id="{0824B1D4-6731-4993-8609-16C1D3327986}"/>
               </a:ext>
             </a:extLst>
           </p:cNvPr>
@@ -1053,7 +1058,7 @@
           <a:p>
             <a:fld id="{14878474-CC00-4A95-9D50-A41C12D1EEC4}" type="datetime1">
               <a:rPr lang="en-US" smtClean="0"/>
-              <a:t>3/31/2023</a:t>
+              <a:t>10/5/2023</a:t>
             </a:fld>
             <a:endParaRPr lang="en-US"/>
           </a:p>
@@ -1064,7 +1069,7 @@
           <p:cNvPr id="5" name="Footer Placeholder 4">
             <a:extLst>
               <a:ext uri="{FF2B5EF4-FFF2-40B4-BE49-F238E27FC236}">
-                <a16:creationId xmlns:a16="http://schemas.microsoft.com/office/drawing/2014/main" id="{3DFB7BBD-CEEB-4256-84B2-6D907E118806}"/>
+                <a16:creationId xmlns:a16="http://schemas.microsoft.com/office/drawing/2014/main" xmlns="" id="{3DFB7BBD-CEEB-4256-84B2-6D907E118806}"/>
               </a:ext>
             </a:extLst>
           </p:cNvPr>
@@ -1089,7 +1094,7 @@
           <p:cNvPr id="6" name="Slide Number Placeholder 5">
             <a:extLst>
               <a:ext uri="{FF2B5EF4-FFF2-40B4-BE49-F238E27FC236}">
-                <a16:creationId xmlns:a16="http://schemas.microsoft.com/office/drawing/2014/main" id="{D972A8B7-F430-4F4A-BB63-481F51E58800}"/>
+                <a16:creationId xmlns:a16="http://schemas.microsoft.com/office/drawing/2014/main" xmlns="" id="{D972A8B7-F430-4F4A-BB63-481F51E58800}"/>
               </a:ext>
             </a:extLst>
           </p:cNvPr>
@@ -1148,7 +1153,7 @@
           <p:cNvPr id="2" name="Title 1">
             <a:extLst>
               <a:ext uri="{FF2B5EF4-FFF2-40B4-BE49-F238E27FC236}">
-                <a16:creationId xmlns:a16="http://schemas.microsoft.com/office/drawing/2014/main" id="{677BAC1C-A332-4BA5-8C9C-FE0396C81619}"/>
+                <a16:creationId xmlns:a16="http://schemas.microsoft.com/office/drawing/2014/main" xmlns="" id="{677BAC1C-A332-4BA5-8C9C-FE0396C81619}"/>
               </a:ext>
             </a:extLst>
           </p:cNvPr>
@@ -1188,7 +1193,7 @@
           <p:cNvPr id="3" name="Text Placeholder 2">
             <a:extLst>
               <a:ext uri="{FF2B5EF4-FFF2-40B4-BE49-F238E27FC236}">
-                <a16:creationId xmlns:a16="http://schemas.microsoft.com/office/drawing/2014/main" id="{50D8D137-710E-4125-B5E9-F63E7F1C9C9D}"/>
+                <a16:creationId xmlns:a16="http://schemas.microsoft.com/office/drawing/2014/main" xmlns="" id="{50D8D137-710E-4125-B5E9-F63E7F1C9C9D}"/>
               </a:ext>
             </a:extLst>
           </p:cNvPr>
@@ -1313,7 +1318,7 @@
           <p:cNvPr id="4" name="Date Placeholder 3">
             <a:extLst>
               <a:ext uri="{FF2B5EF4-FFF2-40B4-BE49-F238E27FC236}">
-                <a16:creationId xmlns:a16="http://schemas.microsoft.com/office/drawing/2014/main" id="{6D5480C5-E9A6-425E-B050-03E444BE92C9}"/>
+                <a16:creationId xmlns:a16="http://schemas.microsoft.com/office/drawing/2014/main" xmlns="" id="{6D5480C5-E9A6-425E-B050-03E444BE92C9}"/>
               </a:ext>
             </a:extLst>
           </p:cNvPr>
@@ -1331,7 +1336,7 @@
           <a:p>
             <a:fld id="{7F38C8B4-7FBB-408F-BDB9-F0496874AFB2}" type="datetime1">
               <a:rPr lang="en-US" smtClean="0"/>
-              <a:t>3/31/2023</a:t>
+              <a:t>10/5/2023</a:t>
             </a:fld>
             <a:endParaRPr lang="en-US"/>
           </a:p>
@@ -1342,7 +1347,7 @@
           <p:cNvPr id="5" name="Footer Placeholder 4">
             <a:extLst>
               <a:ext uri="{FF2B5EF4-FFF2-40B4-BE49-F238E27FC236}">
-                <a16:creationId xmlns:a16="http://schemas.microsoft.com/office/drawing/2014/main" id="{951B4831-6C0B-4E0B-A341-91E4C5D36B79}"/>
+                <a16:creationId xmlns:a16="http://schemas.microsoft.com/office/drawing/2014/main" xmlns="" id="{951B4831-6C0B-4E0B-A341-91E4C5D36B79}"/>
               </a:ext>
             </a:extLst>
           </p:cNvPr>
@@ -1367,7 +1372,7 @@
           <p:cNvPr id="6" name="Slide Number Placeholder 5">
             <a:extLst>
               <a:ext uri="{FF2B5EF4-FFF2-40B4-BE49-F238E27FC236}">
-                <a16:creationId xmlns:a16="http://schemas.microsoft.com/office/drawing/2014/main" id="{BF011EE6-252D-46DD-94DF-C42657EF2CD9}"/>
+                <a16:creationId xmlns:a16="http://schemas.microsoft.com/office/drawing/2014/main" xmlns="" id="{BF011EE6-252D-46DD-94DF-C42657EF2CD9}"/>
               </a:ext>
             </a:extLst>
           </p:cNvPr>
@@ -1426,7 +1431,7 @@
           <p:cNvPr id="2" name="Title 1">
             <a:extLst>
               <a:ext uri="{FF2B5EF4-FFF2-40B4-BE49-F238E27FC236}">
-                <a16:creationId xmlns:a16="http://schemas.microsoft.com/office/drawing/2014/main" id="{5B604B06-C54A-4B7B-B6D1-436428EAF8E2}"/>
+                <a16:creationId xmlns:a16="http://schemas.microsoft.com/office/drawing/2014/main" xmlns="" id="{5B604B06-C54A-4B7B-B6D1-436428EAF8E2}"/>
               </a:ext>
             </a:extLst>
           </p:cNvPr>
@@ -1460,7 +1465,7 @@
           <p:cNvPr id="3" name="Content Placeholder 2">
             <a:extLst>
               <a:ext uri="{FF2B5EF4-FFF2-40B4-BE49-F238E27FC236}">
-                <a16:creationId xmlns:a16="http://schemas.microsoft.com/office/drawing/2014/main" id="{E5723919-9A2F-4D97-8F31-6E35BD5975B0}"/>
+                <a16:creationId xmlns:a16="http://schemas.microsoft.com/office/drawing/2014/main" xmlns="" id="{E5723919-9A2F-4D97-8F31-6E35BD5975B0}"/>
               </a:ext>
             </a:extLst>
           </p:cNvPr>
@@ -1523,7 +1528,7 @@
           <p:cNvPr id="4" name="Content Placeholder 3">
             <a:extLst>
               <a:ext uri="{FF2B5EF4-FFF2-40B4-BE49-F238E27FC236}">
-                <a16:creationId xmlns:a16="http://schemas.microsoft.com/office/drawing/2014/main" id="{7F8DA345-F684-4BAA-A22C-E725B3A6037F}"/>
+                <a16:creationId xmlns:a16="http://schemas.microsoft.com/office/drawing/2014/main" xmlns="" id="{7F8DA345-F684-4BAA-A22C-E725B3A6037F}"/>
               </a:ext>
             </a:extLst>
           </p:cNvPr>
@@ -1585,7 +1590,7 @@
           <p:cNvPr id="5" name="Date Placeholder 4">
             <a:extLst>
               <a:ext uri="{FF2B5EF4-FFF2-40B4-BE49-F238E27FC236}">
-                <a16:creationId xmlns:a16="http://schemas.microsoft.com/office/drawing/2014/main" id="{96399C52-9753-45D8-9646-CF31BB01577C}"/>
+                <a16:creationId xmlns:a16="http://schemas.microsoft.com/office/drawing/2014/main" xmlns="" id="{96399C52-9753-45D8-9646-CF31BB01577C}"/>
               </a:ext>
             </a:extLst>
           </p:cNvPr>
@@ -1603,7 +1608,7 @@
           <a:p>
             <a:fld id="{2BB8EE20-A5E2-47D3-8F6D-A2BA7AB2E093}" type="datetime1">
               <a:rPr lang="en-US" smtClean="0"/>
-              <a:t>3/31/2023</a:t>
+              <a:t>10/5/2023</a:t>
             </a:fld>
             <a:endParaRPr lang="en-US"/>
           </a:p>
@@ -1614,7 +1619,7 @@
           <p:cNvPr id="6" name="Footer Placeholder 5">
             <a:extLst>
               <a:ext uri="{FF2B5EF4-FFF2-40B4-BE49-F238E27FC236}">
-                <a16:creationId xmlns:a16="http://schemas.microsoft.com/office/drawing/2014/main" id="{C2F95E57-622C-4199-940E-F5462E1AC44A}"/>
+                <a16:creationId xmlns:a16="http://schemas.microsoft.com/office/drawing/2014/main" xmlns="" id="{C2F95E57-622C-4199-940E-F5462E1AC44A}"/>
               </a:ext>
             </a:extLst>
           </p:cNvPr>
@@ -1639,7 +1644,7 @@
           <p:cNvPr id="7" name="Slide Number Placeholder 6">
             <a:extLst>
               <a:ext uri="{FF2B5EF4-FFF2-40B4-BE49-F238E27FC236}">
-                <a16:creationId xmlns:a16="http://schemas.microsoft.com/office/drawing/2014/main" id="{201B7592-00E8-41EF-B749-2A5EA8E460DA}"/>
+                <a16:creationId xmlns:a16="http://schemas.microsoft.com/office/drawing/2014/main" xmlns="" id="{201B7592-00E8-41EF-B749-2A5EA8E460DA}"/>
               </a:ext>
             </a:extLst>
           </p:cNvPr>
@@ -1698,10 +1703,10 @@
           <p:cNvPr id="11" name="Rectangle 10">
             <a:extLst>
               <a:ext uri="{FF2B5EF4-FFF2-40B4-BE49-F238E27FC236}">
-                <a16:creationId xmlns:a16="http://schemas.microsoft.com/office/drawing/2014/main" id="{BF4AA536-072F-4374-926E-17E038EC7E98}"/>
+                <a16:creationId xmlns:a16="http://schemas.microsoft.com/office/drawing/2014/main" xmlns="" id="{BF4AA536-072F-4374-926E-17E038EC7E98}"/>
               </a:ext>
               <a:ext uri="{C183D7F6-B498-43B3-948B-1728B52AA6E4}">
-                <adec:decorative xmlns:adec="http://schemas.microsoft.com/office/drawing/2017/decorative" val="1"/>
+                <adec:decorative xmlns:adec="http://schemas.microsoft.com/office/drawing/2017/decorative" xmlns="" val="1"/>
               </a:ext>
             </a:extLst>
           </p:cNvPr>
@@ -1768,7 +1773,7 @@
           <p:cNvPr id="13" name="Rectangle 12">
             <a:extLst>
               <a:ext uri="{FF2B5EF4-FFF2-40B4-BE49-F238E27FC236}">
-                <a16:creationId xmlns:a16="http://schemas.microsoft.com/office/drawing/2014/main" id="{A2291277-967B-4176-B40B-9EC360626994}"/>
+                <a16:creationId xmlns:a16="http://schemas.microsoft.com/office/drawing/2014/main" xmlns="" id="{A2291277-967B-4176-B40B-9EC360626994}"/>
               </a:ext>
             </a:extLst>
           </p:cNvPr>
@@ -1832,7 +1837,7 @@
           <p:cNvPr id="2" name="Title 1">
             <a:extLst>
               <a:ext uri="{FF2B5EF4-FFF2-40B4-BE49-F238E27FC236}">
-                <a16:creationId xmlns:a16="http://schemas.microsoft.com/office/drawing/2014/main" id="{FCB11C00-F7CB-4484-807A-D12745CD3CC8}"/>
+                <a16:creationId xmlns:a16="http://schemas.microsoft.com/office/drawing/2014/main" xmlns="" id="{FCB11C00-F7CB-4484-807A-D12745CD3CC8}"/>
               </a:ext>
             </a:extLst>
           </p:cNvPr>
@@ -1866,7 +1871,7 @@
           <p:cNvPr id="3" name="Text Placeholder 2">
             <a:extLst>
               <a:ext uri="{FF2B5EF4-FFF2-40B4-BE49-F238E27FC236}">
-                <a16:creationId xmlns:a16="http://schemas.microsoft.com/office/drawing/2014/main" id="{30FAAA6E-E243-48B3-9585-3C1420B3E19F}"/>
+                <a16:creationId xmlns:a16="http://schemas.microsoft.com/office/drawing/2014/main" xmlns="" id="{30FAAA6E-E243-48B3-9585-3C1420B3E19F}"/>
               </a:ext>
             </a:extLst>
           </p:cNvPr>
@@ -1939,7 +1944,7 @@
           <p:cNvPr id="4" name="Content Placeholder 3">
             <a:extLst>
               <a:ext uri="{FF2B5EF4-FFF2-40B4-BE49-F238E27FC236}">
-                <a16:creationId xmlns:a16="http://schemas.microsoft.com/office/drawing/2014/main" id="{46ED01B8-0F2E-41A4-B21C-334393F6A677}"/>
+                <a16:creationId xmlns:a16="http://schemas.microsoft.com/office/drawing/2014/main" xmlns="" id="{46ED01B8-0F2E-41A4-B21C-334393F6A677}"/>
               </a:ext>
             </a:extLst>
           </p:cNvPr>
@@ -2002,7 +2007,7 @@
           <p:cNvPr id="5" name="Text Placeholder 4">
             <a:extLst>
               <a:ext uri="{FF2B5EF4-FFF2-40B4-BE49-F238E27FC236}">
-                <a16:creationId xmlns:a16="http://schemas.microsoft.com/office/drawing/2014/main" id="{9A89B23F-3E60-415A-9CE7-0928B5CFB2B3}"/>
+                <a16:creationId xmlns:a16="http://schemas.microsoft.com/office/drawing/2014/main" xmlns="" id="{9A89B23F-3E60-415A-9CE7-0928B5CFB2B3}"/>
               </a:ext>
             </a:extLst>
           </p:cNvPr>
@@ -2075,7 +2080,7 @@
           <p:cNvPr id="6" name="Content Placeholder 5">
             <a:extLst>
               <a:ext uri="{FF2B5EF4-FFF2-40B4-BE49-F238E27FC236}">
-                <a16:creationId xmlns:a16="http://schemas.microsoft.com/office/drawing/2014/main" id="{A0223446-0CDC-402B-8D71-D9D29F6DFFCC}"/>
+                <a16:creationId xmlns:a16="http://schemas.microsoft.com/office/drawing/2014/main" xmlns="" id="{A0223446-0CDC-402B-8D71-D9D29F6DFFCC}"/>
               </a:ext>
             </a:extLst>
           </p:cNvPr>
@@ -2138,7 +2143,7 @@
           <p:cNvPr id="7" name="Date Placeholder 6">
             <a:extLst>
               <a:ext uri="{FF2B5EF4-FFF2-40B4-BE49-F238E27FC236}">
-                <a16:creationId xmlns:a16="http://schemas.microsoft.com/office/drawing/2014/main" id="{002B77D3-C6EC-4FFD-9E10-24E1AC542019}"/>
+                <a16:creationId xmlns:a16="http://schemas.microsoft.com/office/drawing/2014/main" xmlns="" id="{002B77D3-C6EC-4FFD-9E10-24E1AC542019}"/>
               </a:ext>
             </a:extLst>
           </p:cNvPr>
@@ -2161,7 +2166,7 @@
           <a:p>
             <a:fld id="{3382CF99-132F-413F-B7EF-71A5C33F2ED6}" type="datetime1">
               <a:rPr lang="en-US" smtClean="0"/>
-              <a:t>3/31/2023</a:t>
+              <a:t>10/5/2023</a:t>
             </a:fld>
             <a:endParaRPr lang="en-US"/>
           </a:p>
@@ -2172,7 +2177,7 @@
           <p:cNvPr id="8" name="Footer Placeholder 7">
             <a:extLst>
               <a:ext uri="{FF2B5EF4-FFF2-40B4-BE49-F238E27FC236}">
-                <a16:creationId xmlns:a16="http://schemas.microsoft.com/office/drawing/2014/main" id="{209DF31B-BD07-4DC2-95C2-B77E51AAEFF7}"/>
+                <a16:creationId xmlns:a16="http://schemas.microsoft.com/office/drawing/2014/main" xmlns="" id="{209DF31B-BD07-4DC2-95C2-B77E51AAEFF7}"/>
               </a:ext>
             </a:extLst>
           </p:cNvPr>
@@ -2197,7 +2202,7 @@
           <p:cNvPr id="9" name="Slide Number Placeholder 8">
             <a:extLst>
               <a:ext uri="{FF2B5EF4-FFF2-40B4-BE49-F238E27FC236}">
-                <a16:creationId xmlns:a16="http://schemas.microsoft.com/office/drawing/2014/main" id="{C454CE5A-3A0A-4AAB-81D2-F1C20636E54C}"/>
+                <a16:creationId xmlns:a16="http://schemas.microsoft.com/office/drawing/2014/main" xmlns="" id="{C454CE5A-3A0A-4AAB-81D2-F1C20636E54C}"/>
               </a:ext>
             </a:extLst>
           </p:cNvPr>
@@ -2256,7 +2261,7 @@
           <p:cNvPr id="2" name="Title 1">
             <a:extLst>
               <a:ext uri="{FF2B5EF4-FFF2-40B4-BE49-F238E27FC236}">
-                <a16:creationId xmlns:a16="http://schemas.microsoft.com/office/drawing/2014/main" id="{A08216B8-52AB-412B-BBE7-B6BE698FA29B}"/>
+                <a16:creationId xmlns:a16="http://schemas.microsoft.com/office/drawing/2014/main" xmlns="" id="{A08216B8-52AB-412B-BBE7-B6BE698FA29B}"/>
               </a:ext>
             </a:extLst>
           </p:cNvPr>
@@ -2285,7 +2290,7 @@
           <p:cNvPr id="3" name="Date Placeholder 2">
             <a:extLst>
               <a:ext uri="{FF2B5EF4-FFF2-40B4-BE49-F238E27FC236}">
-                <a16:creationId xmlns:a16="http://schemas.microsoft.com/office/drawing/2014/main" id="{0BF779C3-9D19-467E-A5D2-0920834DA13C}"/>
+                <a16:creationId xmlns:a16="http://schemas.microsoft.com/office/drawing/2014/main" xmlns="" id="{0BF779C3-9D19-467E-A5D2-0920834DA13C}"/>
               </a:ext>
             </a:extLst>
           </p:cNvPr>
@@ -2303,7 +2308,7 @@
           <a:p>
             <a:fld id="{1F17AE06-98E0-4D9F-A059-92C3548821BB}" type="datetime1">
               <a:rPr lang="en-US" smtClean="0"/>
-              <a:t>3/31/2023</a:t>
+              <a:t>10/5/2023</a:t>
             </a:fld>
             <a:endParaRPr lang="en-US"/>
           </a:p>
@@ -2314,7 +2319,7 @@
           <p:cNvPr id="4" name="Footer Placeholder 3">
             <a:extLst>
               <a:ext uri="{FF2B5EF4-FFF2-40B4-BE49-F238E27FC236}">
-                <a16:creationId xmlns:a16="http://schemas.microsoft.com/office/drawing/2014/main" id="{8E272BB4-C8D8-4F74-9677-5AC979932A75}"/>
+                <a16:creationId xmlns:a16="http://schemas.microsoft.com/office/drawing/2014/main" xmlns="" id="{8E272BB4-C8D8-4F74-9677-5AC979932A75}"/>
               </a:ext>
             </a:extLst>
           </p:cNvPr>
@@ -2339,7 +2344,7 @@
           <p:cNvPr id="5" name="Slide Number Placeholder 4">
             <a:extLst>
               <a:ext uri="{FF2B5EF4-FFF2-40B4-BE49-F238E27FC236}">
-                <a16:creationId xmlns:a16="http://schemas.microsoft.com/office/drawing/2014/main" id="{596B49B8-779F-4492-ABD9-96F0D042AC41}"/>
+                <a16:creationId xmlns:a16="http://schemas.microsoft.com/office/drawing/2014/main" xmlns="" id="{596B49B8-779F-4492-ABD9-96F0D042AC41}"/>
               </a:ext>
             </a:extLst>
           </p:cNvPr>
@@ -2398,7 +2403,7 @@
           <p:cNvPr id="2" name="Date Placeholder 1">
             <a:extLst>
               <a:ext uri="{FF2B5EF4-FFF2-40B4-BE49-F238E27FC236}">
-                <a16:creationId xmlns:a16="http://schemas.microsoft.com/office/drawing/2014/main" id="{93B976BF-9339-48D6-881A-280D15492E05}"/>
+                <a16:creationId xmlns:a16="http://schemas.microsoft.com/office/drawing/2014/main" xmlns="" id="{93B976BF-9339-48D6-881A-280D15492E05}"/>
               </a:ext>
             </a:extLst>
           </p:cNvPr>
@@ -2416,7 +2421,7 @@
           <a:p>
             <a:fld id="{FFBA00CA-3DDC-4705-B840-978EF5EA0707}" type="datetime1">
               <a:rPr lang="en-US" smtClean="0"/>
-              <a:t>3/31/2023</a:t>
+              <a:t>10/5/2023</a:t>
             </a:fld>
             <a:endParaRPr lang="en-US"/>
           </a:p>
@@ -2427,7 +2432,7 @@
           <p:cNvPr id="3" name="Footer Placeholder 2">
             <a:extLst>
               <a:ext uri="{FF2B5EF4-FFF2-40B4-BE49-F238E27FC236}">
-                <a16:creationId xmlns:a16="http://schemas.microsoft.com/office/drawing/2014/main" id="{45277605-C9C8-432E-9662-D7D410B151D5}"/>
+                <a16:creationId xmlns:a16="http://schemas.microsoft.com/office/drawing/2014/main" xmlns="" id="{45277605-C9C8-432E-9662-D7D410B151D5}"/>
               </a:ext>
             </a:extLst>
           </p:cNvPr>
@@ -2452,7 +2457,7 @@
           <p:cNvPr id="4" name="Slide Number Placeholder 3">
             <a:extLst>
               <a:ext uri="{FF2B5EF4-FFF2-40B4-BE49-F238E27FC236}">
-                <a16:creationId xmlns:a16="http://schemas.microsoft.com/office/drawing/2014/main" id="{522432B6-4A12-46EF-98A7-B5D50BD516F0}"/>
+                <a16:creationId xmlns:a16="http://schemas.microsoft.com/office/drawing/2014/main" xmlns="" id="{522432B6-4A12-46EF-98A7-B5D50BD516F0}"/>
               </a:ext>
             </a:extLst>
           </p:cNvPr>
@@ -2511,7 +2516,7 @@
           <p:cNvPr id="2" name="Title 1">
             <a:extLst>
               <a:ext uri="{FF2B5EF4-FFF2-40B4-BE49-F238E27FC236}">
-                <a16:creationId xmlns:a16="http://schemas.microsoft.com/office/drawing/2014/main" id="{E5BF191C-AF68-4230-A7B2-F8F07B486EDC}"/>
+                <a16:creationId xmlns:a16="http://schemas.microsoft.com/office/drawing/2014/main" xmlns="" id="{E5BF191C-AF68-4230-A7B2-F8F07B486EDC}"/>
               </a:ext>
             </a:extLst>
           </p:cNvPr>
@@ -2551,7 +2556,7 @@
           <p:cNvPr id="3" name="Content Placeholder 2">
             <a:extLst>
               <a:ext uri="{FF2B5EF4-FFF2-40B4-BE49-F238E27FC236}">
-                <a16:creationId xmlns:a16="http://schemas.microsoft.com/office/drawing/2014/main" id="{358F9F11-5FCF-4D7E-BA51-38CB84277DC9}"/>
+                <a16:creationId xmlns:a16="http://schemas.microsoft.com/office/drawing/2014/main" xmlns="" id="{358F9F11-5FCF-4D7E-BA51-38CB84277DC9}"/>
               </a:ext>
             </a:extLst>
           </p:cNvPr>
@@ -2644,7 +2649,7 @@
           <p:cNvPr id="4" name="Text Placeholder 3">
             <a:extLst>
               <a:ext uri="{FF2B5EF4-FFF2-40B4-BE49-F238E27FC236}">
-                <a16:creationId xmlns:a16="http://schemas.microsoft.com/office/drawing/2014/main" id="{373B519B-06C0-41BC-95FB-FB1FE436375E}"/>
+                <a16:creationId xmlns:a16="http://schemas.microsoft.com/office/drawing/2014/main" xmlns="" id="{373B519B-06C0-41BC-95FB-FB1FE436375E}"/>
               </a:ext>
             </a:extLst>
           </p:cNvPr>
@@ -2717,7 +2722,7 @@
           <p:cNvPr id="5" name="Date Placeholder 4">
             <a:extLst>
               <a:ext uri="{FF2B5EF4-FFF2-40B4-BE49-F238E27FC236}">
-                <a16:creationId xmlns:a16="http://schemas.microsoft.com/office/drawing/2014/main" id="{5BB8B70C-015C-4832-AFF6-D033E022746B}"/>
+                <a16:creationId xmlns:a16="http://schemas.microsoft.com/office/drawing/2014/main" xmlns="" id="{5BB8B70C-015C-4832-AFF6-D033E022746B}"/>
               </a:ext>
             </a:extLst>
           </p:cNvPr>
@@ -2735,7 +2740,7 @@
           <a:p>
             <a:fld id="{FC366D49-0BBA-4C5A-AD96-6448CA63451A}" type="datetime1">
               <a:rPr lang="en-US" smtClean="0"/>
-              <a:t>3/31/2023</a:t>
+              <a:t>10/5/2023</a:t>
             </a:fld>
             <a:endParaRPr lang="en-US"/>
           </a:p>
@@ -2746,7 +2751,7 @@
           <p:cNvPr id="6" name="Footer Placeholder 5">
             <a:extLst>
               <a:ext uri="{FF2B5EF4-FFF2-40B4-BE49-F238E27FC236}">
-                <a16:creationId xmlns:a16="http://schemas.microsoft.com/office/drawing/2014/main" id="{BEF1A6FB-8C14-46D1-90A5-0FF11DE78632}"/>
+                <a16:creationId xmlns:a16="http://schemas.microsoft.com/office/drawing/2014/main" xmlns="" id="{BEF1A6FB-8C14-46D1-90A5-0FF11DE78632}"/>
               </a:ext>
             </a:extLst>
           </p:cNvPr>
@@ -2771,7 +2776,7 @@
           <p:cNvPr id="7" name="Slide Number Placeholder 6">
             <a:extLst>
               <a:ext uri="{FF2B5EF4-FFF2-40B4-BE49-F238E27FC236}">
-                <a16:creationId xmlns:a16="http://schemas.microsoft.com/office/drawing/2014/main" id="{6782C585-6FA1-4E94-9C1C-A1DEDE551086}"/>
+                <a16:creationId xmlns:a16="http://schemas.microsoft.com/office/drawing/2014/main" xmlns="" id="{6782C585-6FA1-4E94-9C1C-A1DEDE551086}"/>
               </a:ext>
             </a:extLst>
           </p:cNvPr>
@@ -2830,7 +2835,7 @@
           <p:cNvPr id="2" name="Title 1">
             <a:extLst>
               <a:ext uri="{FF2B5EF4-FFF2-40B4-BE49-F238E27FC236}">
-                <a16:creationId xmlns:a16="http://schemas.microsoft.com/office/drawing/2014/main" id="{4E198B43-D1CE-43F4-A367-EF1FE9688913}"/>
+                <a16:creationId xmlns:a16="http://schemas.microsoft.com/office/drawing/2014/main" xmlns="" id="{4E198B43-D1CE-43F4-A367-EF1FE9688913}"/>
               </a:ext>
             </a:extLst>
           </p:cNvPr>
@@ -2870,7 +2875,7 @@
           <p:cNvPr id="3" name="Picture Placeholder 2">
             <a:extLst>
               <a:ext uri="{FF2B5EF4-FFF2-40B4-BE49-F238E27FC236}">
-                <a16:creationId xmlns:a16="http://schemas.microsoft.com/office/drawing/2014/main" id="{E2B73978-8CDF-4C0E-ABA1-7291A0347362}"/>
+                <a16:creationId xmlns:a16="http://schemas.microsoft.com/office/drawing/2014/main" xmlns="" id="{E2B73978-8CDF-4C0E-ABA1-7291A0347362}"/>
               </a:ext>
             </a:extLst>
           </p:cNvPr>
@@ -2941,7 +2946,7 @@
           <p:cNvPr id="4" name="Text Placeholder 3">
             <a:extLst>
               <a:ext uri="{FF2B5EF4-FFF2-40B4-BE49-F238E27FC236}">
-                <a16:creationId xmlns:a16="http://schemas.microsoft.com/office/drawing/2014/main" id="{45BECC62-ED45-451E-BEC5-A03C6A554D26}"/>
+                <a16:creationId xmlns:a16="http://schemas.microsoft.com/office/drawing/2014/main" xmlns="" id="{45BECC62-ED45-451E-BEC5-A03C6A554D26}"/>
               </a:ext>
             </a:extLst>
           </p:cNvPr>
@@ -3014,7 +3019,7 @@
           <p:cNvPr id="5" name="Date Placeholder 4">
             <a:extLst>
               <a:ext uri="{FF2B5EF4-FFF2-40B4-BE49-F238E27FC236}">
-                <a16:creationId xmlns:a16="http://schemas.microsoft.com/office/drawing/2014/main" id="{531A7A86-B983-4315-9312-936B4FCF75FE}"/>
+                <a16:creationId xmlns:a16="http://schemas.microsoft.com/office/drawing/2014/main" xmlns="" id="{531A7A86-B983-4315-9312-936B4FCF75FE}"/>
               </a:ext>
             </a:extLst>
           </p:cNvPr>
@@ -3032,7 +3037,7 @@
           <a:p>
             <a:fld id="{4F4EB293-A316-472D-A8B4-6947CF1A12B7}" type="datetime1">
               <a:rPr lang="en-US" smtClean="0"/>
-              <a:t>3/31/2023</a:t>
+              <a:t>10/5/2023</a:t>
             </a:fld>
             <a:endParaRPr lang="en-US"/>
           </a:p>
@@ -3043,7 +3048,7 @@
           <p:cNvPr id="6" name="Footer Placeholder 5">
             <a:extLst>
               <a:ext uri="{FF2B5EF4-FFF2-40B4-BE49-F238E27FC236}">
-                <a16:creationId xmlns:a16="http://schemas.microsoft.com/office/drawing/2014/main" id="{1E2E88C0-25A5-46F9-AB35-EAD50E6B913C}"/>
+                <a16:creationId xmlns:a16="http://schemas.microsoft.com/office/drawing/2014/main" xmlns="" id="{1E2E88C0-25A5-46F9-AB35-EAD50E6B913C}"/>
               </a:ext>
             </a:extLst>
           </p:cNvPr>
@@ -3068,7 +3073,7 @@
           <p:cNvPr id="7" name="Slide Number Placeholder 6">
             <a:extLst>
               <a:ext uri="{FF2B5EF4-FFF2-40B4-BE49-F238E27FC236}">
-                <a16:creationId xmlns:a16="http://schemas.microsoft.com/office/drawing/2014/main" id="{6A0F9EA8-45AD-478E-8606-9328245BC8A6}"/>
+                <a16:creationId xmlns:a16="http://schemas.microsoft.com/office/drawing/2014/main" xmlns="" id="{6A0F9EA8-45AD-478E-8606-9328245BC8A6}"/>
               </a:ext>
             </a:extLst>
           </p:cNvPr>
@@ -3097,7 +3102,7 @@
           <p:cNvPr id="9" name="Straight Connector 8">
             <a:extLst>
               <a:ext uri="{FF2B5EF4-FFF2-40B4-BE49-F238E27FC236}">
-                <a16:creationId xmlns:a16="http://schemas.microsoft.com/office/drawing/2014/main" id="{E51E4AC6-B446-4768-97EF-CA4B8261433B}"/>
+                <a16:creationId xmlns:a16="http://schemas.microsoft.com/office/drawing/2014/main" xmlns="" id="{E51E4AC6-B446-4768-97EF-CA4B8261433B}"/>
               </a:ext>
             </a:extLst>
           </p:cNvPr>
@@ -3170,7 +3175,7 @@
           <p:cNvPr id="2" name="Title Placeholder 1">
             <a:extLst>
               <a:ext uri="{FF2B5EF4-FFF2-40B4-BE49-F238E27FC236}">
-                <a16:creationId xmlns:a16="http://schemas.microsoft.com/office/drawing/2014/main" id="{8D61AD20-E240-4E6F-AF91-689F7AEEE33A}"/>
+                <a16:creationId xmlns:a16="http://schemas.microsoft.com/office/drawing/2014/main" xmlns="" id="{8D61AD20-E240-4E6F-AF91-689F7AEEE33A}"/>
               </a:ext>
             </a:extLst>
           </p:cNvPr>
@@ -3209,7 +3214,7 @@
           <p:cNvPr id="3" name="Text Placeholder 2">
             <a:extLst>
               <a:ext uri="{FF2B5EF4-FFF2-40B4-BE49-F238E27FC236}">
-                <a16:creationId xmlns:a16="http://schemas.microsoft.com/office/drawing/2014/main" id="{42E78801-35D1-4C19-BC2B-EAC7EE917E73}"/>
+                <a16:creationId xmlns:a16="http://schemas.microsoft.com/office/drawing/2014/main" xmlns="" id="{42E78801-35D1-4C19-BC2B-EAC7EE917E73}"/>
               </a:ext>
             </a:extLst>
           </p:cNvPr>
@@ -3277,7 +3282,7 @@
           <p:cNvPr id="4" name="Date Placeholder 3">
             <a:extLst>
               <a:ext uri="{FF2B5EF4-FFF2-40B4-BE49-F238E27FC236}">
-                <a16:creationId xmlns:a16="http://schemas.microsoft.com/office/drawing/2014/main" id="{01282A45-C5B9-4575-8E28-A35767B4D71C}"/>
+                <a16:creationId xmlns:a16="http://schemas.microsoft.com/office/drawing/2014/main" xmlns="" id="{01282A45-C5B9-4575-8E28-A35767B4D71C}"/>
               </a:ext>
             </a:extLst>
           </p:cNvPr>
@@ -3311,7 +3316,7 @@
           <a:p>
             <a:fld id="{734BCCD4-CEB1-405B-A443-DD9CBCBEA552}" type="datetime1">
               <a:rPr lang="en-US" smtClean="0"/>
-              <a:t>3/31/2023</a:t>
+              <a:t>10/5/2023</a:t>
             </a:fld>
             <a:endParaRPr lang="en-US"/>
           </a:p>
@@ -3322,7 +3327,7 @@
           <p:cNvPr id="5" name="Footer Placeholder 4">
             <a:extLst>
               <a:ext uri="{FF2B5EF4-FFF2-40B4-BE49-F238E27FC236}">
-                <a16:creationId xmlns:a16="http://schemas.microsoft.com/office/drawing/2014/main" id="{2E9D0933-AA03-4018-8E37-004CFB9F61D6}"/>
+                <a16:creationId xmlns:a16="http://schemas.microsoft.com/office/drawing/2014/main" xmlns="" id="{2E9D0933-AA03-4018-8E37-004CFB9F61D6}"/>
               </a:ext>
             </a:extLst>
           </p:cNvPr>
@@ -3363,7 +3368,7 @@
           <p:cNvPr id="6" name="Slide Number Placeholder 5">
             <a:extLst>
               <a:ext uri="{FF2B5EF4-FFF2-40B4-BE49-F238E27FC236}">
-                <a16:creationId xmlns:a16="http://schemas.microsoft.com/office/drawing/2014/main" id="{BCCF282A-DF4A-4A2D-9672-8F0F770A3F1A}"/>
+                <a16:creationId xmlns:a16="http://schemas.microsoft.com/office/drawing/2014/main" xmlns="" id="{BCCF282A-DF4A-4A2D-9672-8F0F770A3F1A}"/>
               </a:ext>
             </a:extLst>
           </p:cNvPr>
@@ -3409,7 +3414,7 @@
           <p:cNvPr id="14" name="Rectangle 13">
             <a:extLst>
               <a:ext uri="{FF2B5EF4-FFF2-40B4-BE49-F238E27FC236}">
-                <a16:creationId xmlns:a16="http://schemas.microsoft.com/office/drawing/2014/main" id="{ADE57300-C7FF-4578-99A0-42B0295B123C}"/>
+                <a16:creationId xmlns:a16="http://schemas.microsoft.com/office/drawing/2014/main" xmlns="" id="{ADE57300-C7FF-4578-99A0-42B0295B123C}"/>
               </a:ext>
             </a:extLst>
           </p:cNvPr>
@@ -3791,10 +3796,10 @@
           <p:cNvPr id="9" name="Rectangle 8">
             <a:extLst>
               <a:ext uri="{FF2B5EF4-FFF2-40B4-BE49-F238E27FC236}">
-                <a16:creationId xmlns:a16="http://schemas.microsoft.com/office/drawing/2014/main" id="{E20BB609-EF92-42DB-836C-0699A590B5CF}"/>
+                <a16:creationId xmlns:a16="http://schemas.microsoft.com/office/drawing/2014/main" xmlns="" id="{E20BB609-EF92-42DB-836C-0699A590B5CF}"/>
               </a:ext>
               <a:ext uri="{C183D7F6-B498-43B3-948B-1728B52AA6E4}">
-                <adec:decorative xmlns:adec="http://schemas.microsoft.com/office/drawing/2017/decorative" val="1"/>
+                <adec:decorative xmlns:adec="http://schemas.microsoft.com/office/drawing/2017/decorative" xmlns="" val="1"/>
               </a:ext>
             </a:extLst>
           </p:cNvPr>
@@ -3804,7 +3809,7 @@
           <p:nvPr>
             <p:extLst>
               <p:ext uri="{386F3935-93C4-4BCD-93E2-E3B085C9AB24}">
-                <p16:designElem xmlns:p16="http://schemas.microsoft.com/office/powerpoint/2015/main" val="1"/>
+                <p16:designElem xmlns:p16="http://schemas.microsoft.com/office/powerpoint/2015/main" xmlns="" val="1"/>
               </p:ext>
             </p:extLst>
           </p:nvPr>
@@ -3851,10 +3856,10 @@
           <p:cNvPr id="11" name="Rectangle 10">
             <a:extLst>
               <a:ext uri="{FF2B5EF4-FFF2-40B4-BE49-F238E27FC236}">
-                <a16:creationId xmlns:a16="http://schemas.microsoft.com/office/drawing/2014/main" id="{8BEC44CD-E290-4D60-A056-5BA05B182AC3}"/>
+                <a16:creationId xmlns:a16="http://schemas.microsoft.com/office/drawing/2014/main" xmlns="" id="{8BEC44CD-E290-4D60-A056-5BA05B182AC3}"/>
               </a:ext>
               <a:ext uri="{C183D7F6-B498-43B3-948B-1728B52AA6E4}">
-                <adec:decorative xmlns:adec="http://schemas.microsoft.com/office/drawing/2017/decorative" val="1"/>
+                <adec:decorative xmlns:adec="http://schemas.microsoft.com/office/drawing/2017/decorative" xmlns="" val="1"/>
               </a:ext>
             </a:extLst>
           </p:cNvPr>
@@ -3864,7 +3869,7 @@
           <p:nvPr>
             <p:extLst>
               <p:ext uri="{386F3935-93C4-4BCD-93E2-E3B085C9AB24}">
-                <p16:designElem xmlns:p16="http://schemas.microsoft.com/office/powerpoint/2015/main" val="1"/>
+                <p16:designElem xmlns:p16="http://schemas.microsoft.com/office/powerpoint/2015/main" xmlns="" val="1"/>
               </p:ext>
             </p:extLst>
           </p:nvPr>
@@ -3914,7 +3919,7 @@
           <p:cNvPr id="4" name="Picture 3" descr="Векторный фон для сочный цветов с заставками">
             <a:extLst>
               <a:ext uri="{FF2B5EF4-FFF2-40B4-BE49-F238E27FC236}">
-                <a16:creationId xmlns:a16="http://schemas.microsoft.com/office/drawing/2014/main" id="{46401064-81A0-03F2-913B-F555EBF91851}"/>
+                <a16:creationId xmlns:a16="http://schemas.microsoft.com/office/drawing/2014/main" xmlns="" id="{46401064-81A0-03F2-913B-F555EBF91851}"/>
               </a:ext>
             </a:extLst>
           </p:cNvPr>
@@ -3945,7 +3950,7 @@
           <p:cNvPr id="2" name="Заголовок 1">
             <a:extLst>
               <a:ext uri="{FF2B5EF4-FFF2-40B4-BE49-F238E27FC236}">
-                <a16:creationId xmlns:a16="http://schemas.microsoft.com/office/drawing/2014/main" id="{39B8F4C9-7C5F-4C0C-BC26-0F19C5B1AC3A}"/>
+                <a16:creationId xmlns:a16="http://schemas.microsoft.com/office/drawing/2014/main" xmlns="" id="{39B8F4C9-7C5F-4C0C-BC26-0F19C5B1AC3A}"/>
               </a:ext>
             </a:extLst>
           </p:cNvPr>
@@ -4050,7 +4055,7 @@
           <p:cNvPr id="3" name="Подзаголовок 2">
             <a:extLst>
               <a:ext uri="{FF2B5EF4-FFF2-40B4-BE49-F238E27FC236}">
-                <a16:creationId xmlns:a16="http://schemas.microsoft.com/office/drawing/2014/main" id="{890C2F08-1C81-48FA-BC4A-BF0A02D2C67C}"/>
+                <a16:creationId xmlns:a16="http://schemas.microsoft.com/office/drawing/2014/main" xmlns="" id="{890C2F08-1C81-48FA-BC4A-BF0A02D2C67C}"/>
               </a:ext>
             </a:extLst>
           </p:cNvPr>
@@ -4115,10 +4120,10 @@
           <p:cNvPr id="13" name="Rectangle 12">
             <a:extLst>
               <a:ext uri="{FF2B5EF4-FFF2-40B4-BE49-F238E27FC236}">
-                <a16:creationId xmlns:a16="http://schemas.microsoft.com/office/drawing/2014/main" id="{B2C335F7-F61C-4EB4-80F2-4B1438FE66BB}"/>
+                <a16:creationId xmlns:a16="http://schemas.microsoft.com/office/drawing/2014/main" xmlns="" id="{B2C335F7-F61C-4EB4-80F2-4B1438FE66BB}"/>
               </a:ext>
               <a:ext uri="{C183D7F6-B498-43B3-948B-1728B52AA6E4}">
-                <adec:decorative xmlns:adec="http://schemas.microsoft.com/office/drawing/2017/decorative" val="1"/>
+                <adec:decorative xmlns:adec="http://schemas.microsoft.com/office/drawing/2017/decorative" xmlns="" val="1"/>
               </a:ext>
             </a:extLst>
           </p:cNvPr>
@@ -4128,7 +4133,7 @@
           <p:nvPr>
             <p:extLst>
               <p:ext uri="{386F3935-93C4-4BCD-93E2-E3B085C9AB24}">
-                <p16:designElem xmlns:p16="http://schemas.microsoft.com/office/powerpoint/2015/main" val="1"/>
+                <p16:designElem xmlns:p16="http://schemas.microsoft.com/office/powerpoint/2015/main" xmlns="" val="1"/>
               </p:ext>
             </p:extLst>
           </p:nvPr>
@@ -4178,10 +4183,10 @@
           <p:cNvPr id="15" name="Rectangle 14">
             <a:extLst>
               <a:ext uri="{FF2B5EF4-FFF2-40B4-BE49-F238E27FC236}">
-                <a16:creationId xmlns:a16="http://schemas.microsoft.com/office/drawing/2014/main" id="{F1189494-2B67-46D2-93D6-A122A09BF6B2}"/>
+                <a16:creationId xmlns:a16="http://schemas.microsoft.com/office/drawing/2014/main" xmlns="" id="{F1189494-2B67-46D2-93D6-A122A09BF6B2}"/>
               </a:ext>
               <a:ext uri="{C183D7F6-B498-43B3-948B-1728B52AA6E4}">
-                <adec:decorative xmlns:adec="http://schemas.microsoft.com/office/drawing/2017/decorative" val="1"/>
+                <adec:decorative xmlns:adec="http://schemas.microsoft.com/office/drawing/2017/decorative" xmlns="" val="1"/>
               </a:ext>
             </a:extLst>
           </p:cNvPr>
@@ -4191,7 +4196,7 @@
           <p:nvPr>
             <p:extLst>
               <p:ext uri="{386F3935-93C4-4BCD-93E2-E3B085C9AB24}">
-                <p16:designElem xmlns:p16="http://schemas.microsoft.com/office/powerpoint/2015/main" val="1"/>
+                <p16:designElem xmlns:p16="http://schemas.microsoft.com/office/powerpoint/2015/main" xmlns="" val="1"/>
               </p:ext>
             </p:extLst>
           </p:nvPr>
@@ -4271,7 +4276,7 @@
           <p:cNvPr id="2" name="Заголовок 1">
             <a:extLst>
               <a:ext uri="{FF2B5EF4-FFF2-40B4-BE49-F238E27FC236}">
-                <a16:creationId xmlns:a16="http://schemas.microsoft.com/office/drawing/2014/main" id="{057D7715-3AC6-43AF-BFE5-9259D11AC0B6}"/>
+                <a16:creationId xmlns:a16="http://schemas.microsoft.com/office/drawing/2014/main" xmlns="" id="{057D7715-3AC6-43AF-BFE5-9259D11AC0B6}"/>
               </a:ext>
             </a:extLst>
           </p:cNvPr>
@@ -4306,7 +4311,7 @@
           <p:cNvPr id="3" name="Объект 2">
             <a:extLst>
               <a:ext uri="{FF2B5EF4-FFF2-40B4-BE49-F238E27FC236}">
-                <a16:creationId xmlns:a16="http://schemas.microsoft.com/office/drawing/2014/main" id="{8008045F-7AC7-46F5-9E58-F4B7A24EE7C3}"/>
+                <a16:creationId xmlns:a16="http://schemas.microsoft.com/office/drawing/2014/main" xmlns="" id="{8008045F-7AC7-46F5-9E58-F4B7A24EE7C3}"/>
               </a:ext>
             </a:extLst>
           </p:cNvPr>
@@ -4397,7 +4402,7 @@
           <p:cNvPr id="2" name="Заголовок 1">
             <a:extLst>
               <a:ext uri="{FF2B5EF4-FFF2-40B4-BE49-F238E27FC236}">
-                <a16:creationId xmlns:a16="http://schemas.microsoft.com/office/drawing/2014/main" id="{BA4AE366-DA9F-413E-BE5C-D16D46466256}"/>
+                <a16:creationId xmlns:a16="http://schemas.microsoft.com/office/drawing/2014/main" xmlns="" id="{BA4AE366-DA9F-413E-BE5C-D16D46466256}"/>
               </a:ext>
             </a:extLst>
           </p:cNvPr>
@@ -4434,7 +4439,7 @@
           <p:cNvPr id="3" name="Объект 2">
             <a:extLst>
               <a:ext uri="{FF2B5EF4-FFF2-40B4-BE49-F238E27FC236}">
-                <a16:creationId xmlns:a16="http://schemas.microsoft.com/office/drawing/2014/main" id="{C5FFF4BD-4AE0-47CD-88FA-8223756F8372}"/>
+                <a16:creationId xmlns:a16="http://schemas.microsoft.com/office/drawing/2014/main" xmlns="" id="{C5FFF4BD-4AE0-47CD-88FA-8223756F8372}"/>
               </a:ext>
             </a:extLst>
           </p:cNvPr>
@@ -4475,7 +4480,7 @@
           <p:cNvPr id="5" name="Рисунок 4">
             <a:extLst>
               <a:ext uri="{FF2B5EF4-FFF2-40B4-BE49-F238E27FC236}">
-                <a16:creationId xmlns:a16="http://schemas.microsoft.com/office/drawing/2014/main" id="{79FDCD46-2684-4461-931C-8053A16900A2}"/>
+                <a16:creationId xmlns:a16="http://schemas.microsoft.com/office/drawing/2014/main" xmlns="" id="{79FDCD46-2684-4461-931C-8053A16900A2}"/>
               </a:ext>
             </a:extLst>
           </p:cNvPr>
@@ -4535,7 +4540,7 @@
           <p:cNvPr id="2" name="Заголовок 1">
             <a:extLst>
               <a:ext uri="{FF2B5EF4-FFF2-40B4-BE49-F238E27FC236}">
-                <a16:creationId xmlns:a16="http://schemas.microsoft.com/office/drawing/2014/main" id="{58D6ACBA-D224-4139-BB77-73E9AF58AA34}"/>
+                <a16:creationId xmlns:a16="http://schemas.microsoft.com/office/drawing/2014/main" xmlns="" id="{58D6ACBA-D224-4139-BB77-73E9AF58AA34}"/>
               </a:ext>
             </a:extLst>
           </p:cNvPr>
@@ -4573,7 +4578,7 @@
           <p:cNvPr id="3" name="Объект 2">
             <a:extLst>
               <a:ext uri="{FF2B5EF4-FFF2-40B4-BE49-F238E27FC236}">
-                <a16:creationId xmlns:a16="http://schemas.microsoft.com/office/drawing/2014/main" id="{89F86EC1-3ADF-4C54-8C20-B24800838B02}"/>
+                <a16:creationId xmlns:a16="http://schemas.microsoft.com/office/drawing/2014/main" xmlns="" id="{89F86EC1-3ADF-4C54-8C20-B24800838B02}"/>
               </a:ext>
             </a:extLst>
           </p:cNvPr>
@@ -4672,10 +4677,10 @@
           <p:cNvPr id="16" name="Rectangle 9">
             <a:extLst>
               <a:ext uri="{FF2B5EF4-FFF2-40B4-BE49-F238E27FC236}">
-                <a16:creationId xmlns:a16="http://schemas.microsoft.com/office/drawing/2014/main" id="{9EE42DCE-4A4F-44C4-84E5-261B3BEEF1DA}"/>
+                <a16:creationId xmlns:a16="http://schemas.microsoft.com/office/drawing/2014/main" xmlns="" id="{9EE42DCE-4A4F-44C4-84E5-261B3BEEF1DA}"/>
               </a:ext>
               <a:ext uri="{C183D7F6-B498-43B3-948B-1728B52AA6E4}">
-                <adec:decorative xmlns:adec="http://schemas.microsoft.com/office/drawing/2017/decorative" val="1"/>
+                <adec:decorative xmlns:adec="http://schemas.microsoft.com/office/drawing/2017/decorative" xmlns="" val="1"/>
               </a:ext>
             </a:extLst>
           </p:cNvPr>
@@ -4685,7 +4690,7 @@
           <p:nvPr>
             <p:extLst>
               <p:ext uri="{386F3935-93C4-4BCD-93E2-E3B085C9AB24}">
-                <p16:designElem xmlns:p16="http://schemas.microsoft.com/office/powerpoint/2015/main" val="1"/>
+                <p16:designElem xmlns:p16="http://schemas.microsoft.com/office/powerpoint/2015/main" xmlns="" val="1"/>
               </p:ext>
             </p:extLst>
           </p:nvPr>
@@ -4732,7 +4737,7 @@
           <p:cNvPr id="2" name="Заголовок 1">
             <a:extLst>
               <a:ext uri="{FF2B5EF4-FFF2-40B4-BE49-F238E27FC236}">
-                <a16:creationId xmlns:a16="http://schemas.microsoft.com/office/drawing/2014/main" id="{CB0302C6-926D-4F70-BA4E-02FE42FEDB0E}"/>
+                <a16:creationId xmlns:a16="http://schemas.microsoft.com/office/drawing/2014/main" xmlns="" id="{CB0302C6-926D-4F70-BA4E-02FE42FEDB0E}"/>
               </a:ext>
             </a:extLst>
           </p:cNvPr>
@@ -4770,6 +4775,13 @@
                 <a:latin typeface="Söhne Mono"/>
               </a:rPr>
               <a:t>ipconfig /all</a:t>
+            </a:r>
+            <a:r>
+              <a:rPr lang="ru-RU" sz="4200" b="0" i="0" dirty="0">
+                <a:effectLst/>
+                <a:latin typeface="Söhne Mono"/>
+              </a:rPr>
+              <a:t/>
             </a:r>
             <a:br>
               <a:rPr lang="ru-RU" sz="4200" b="0" i="0" dirty="0">
@@ -4786,10 +4798,10 @@
           <p:cNvPr id="17" name="Rectangle 11">
             <a:extLst>
               <a:ext uri="{FF2B5EF4-FFF2-40B4-BE49-F238E27FC236}">
-                <a16:creationId xmlns:a16="http://schemas.microsoft.com/office/drawing/2014/main" id="{887F59F2-5FBC-40CD-AD35-376AECE49EA6}"/>
+                <a16:creationId xmlns:a16="http://schemas.microsoft.com/office/drawing/2014/main" xmlns="" id="{887F59F2-5FBC-40CD-AD35-376AECE49EA6}"/>
               </a:ext>
               <a:ext uri="{C183D7F6-B498-43B3-948B-1728B52AA6E4}">
-                <adec:decorative xmlns:adec="http://schemas.microsoft.com/office/drawing/2017/decorative" val="1"/>
+                <adec:decorative xmlns:adec="http://schemas.microsoft.com/office/drawing/2017/decorative" xmlns="" val="1"/>
               </a:ext>
             </a:extLst>
           </p:cNvPr>
@@ -4799,7 +4811,7 @@
           <p:nvPr>
             <p:extLst>
               <p:ext uri="{386F3935-93C4-4BCD-93E2-E3B085C9AB24}">
-                <p16:designElem xmlns:p16="http://schemas.microsoft.com/office/powerpoint/2015/main" val="1"/>
+                <p16:designElem xmlns:p16="http://schemas.microsoft.com/office/powerpoint/2015/main" xmlns="" val="1"/>
               </p:ext>
             </p:extLst>
           </p:nvPr>
@@ -4849,7 +4861,7 @@
           <p:cNvPr id="5" name="Рисунок 4">
             <a:extLst>
               <a:ext uri="{FF2B5EF4-FFF2-40B4-BE49-F238E27FC236}">
-                <a16:creationId xmlns:a16="http://schemas.microsoft.com/office/drawing/2014/main" id="{21407D70-6C9C-4BCA-A157-CBFF4CA282D4}"/>
+                <a16:creationId xmlns:a16="http://schemas.microsoft.com/office/drawing/2014/main" xmlns="" id="{21407D70-6C9C-4BCA-A157-CBFF4CA282D4}"/>
               </a:ext>
             </a:extLst>
           </p:cNvPr>
@@ -4879,7 +4891,7 @@
           <p:cNvPr id="3" name="Объект 2">
             <a:extLst>
               <a:ext uri="{FF2B5EF4-FFF2-40B4-BE49-F238E27FC236}">
-                <a16:creationId xmlns:a16="http://schemas.microsoft.com/office/drawing/2014/main" id="{20AE388E-5F7E-4943-9B1C-3DDD6E494635}"/>
+                <a16:creationId xmlns:a16="http://schemas.microsoft.com/office/drawing/2014/main" xmlns="" id="{20AE388E-5F7E-4943-9B1C-3DDD6E494635}"/>
               </a:ext>
             </a:extLst>
           </p:cNvPr>
@@ -4922,10 +4934,10 @@
           <p:cNvPr id="18" name="Rectangle 13">
             <a:extLst>
               <a:ext uri="{FF2B5EF4-FFF2-40B4-BE49-F238E27FC236}">
-                <a16:creationId xmlns:a16="http://schemas.microsoft.com/office/drawing/2014/main" id="{02AF664E-956D-40D1-9B64-72A7857083AB}"/>
+                <a16:creationId xmlns:a16="http://schemas.microsoft.com/office/drawing/2014/main" xmlns="" id="{02AF664E-956D-40D1-9B64-72A7857083AB}"/>
               </a:ext>
               <a:ext uri="{C183D7F6-B498-43B3-948B-1728B52AA6E4}">
-                <adec:decorative xmlns:adec="http://schemas.microsoft.com/office/drawing/2017/decorative" val="1"/>
+                <adec:decorative xmlns:adec="http://schemas.microsoft.com/office/drawing/2017/decorative" xmlns="" val="1"/>
               </a:ext>
             </a:extLst>
           </p:cNvPr>
@@ -4935,7 +4947,7 @@
           <p:nvPr>
             <p:extLst>
               <p:ext uri="{386F3935-93C4-4BCD-93E2-E3B085C9AB24}">
-                <p16:designElem xmlns:p16="http://schemas.microsoft.com/office/powerpoint/2015/main" val="1"/>
+                <p16:designElem xmlns:p16="http://schemas.microsoft.com/office/powerpoint/2015/main" xmlns="" val="1"/>
               </p:ext>
             </p:extLst>
           </p:nvPr>
@@ -5015,7 +5027,7 @@
           <p:cNvPr id="2" name="Заголовок 1">
             <a:extLst>
               <a:ext uri="{FF2B5EF4-FFF2-40B4-BE49-F238E27FC236}">
-                <a16:creationId xmlns:a16="http://schemas.microsoft.com/office/drawing/2014/main" id="{F97EF8FE-7317-4ABC-8B69-DC9BB321B82E}"/>
+                <a16:creationId xmlns:a16="http://schemas.microsoft.com/office/drawing/2014/main" xmlns="" id="{F97EF8FE-7317-4ABC-8B69-DC9BB321B82E}"/>
               </a:ext>
             </a:extLst>
           </p:cNvPr>
@@ -5062,7 +5074,7 @@
           <p:cNvPr id="3" name="Объект 2">
             <a:extLst>
               <a:ext uri="{FF2B5EF4-FFF2-40B4-BE49-F238E27FC236}">
-                <a16:creationId xmlns:a16="http://schemas.microsoft.com/office/drawing/2014/main" id="{7434FB24-39BF-48A4-94EB-3D3B4F3CB3FC}"/>
+                <a16:creationId xmlns:a16="http://schemas.microsoft.com/office/drawing/2014/main" xmlns="" id="{7434FB24-39BF-48A4-94EB-3D3B4F3CB3FC}"/>
               </a:ext>
             </a:extLst>
           </p:cNvPr>
@@ -5093,6 +5105,10 @@
             <a:r>
               <a:rPr lang="ru-RU" dirty="0" err="1"/>
               <a:t>displaydns</a:t>
+            </a:r>
+            <a:r>
+              <a:rPr lang="ru-RU" dirty="0"/>
+              <a:t/>
             </a:r>
             <a:br>
               <a:rPr lang="ru-RU" dirty="0"/>
@@ -5163,10 +5179,10 @@
           <p:cNvPr id="10" name="Rectangle 9">
             <a:extLst>
               <a:ext uri="{FF2B5EF4-FFF2-40B4-BE49-F238E27FC236}">
-                <a16:creationId xmlns:a16="http://schemas.microsoft.com/office/drawing/2014/main" id="{9EE42DCE-4A4F-44C4-84E5-261B3BEEF1DA}"/>
+                <a16:creationId xmlns:a16="http://schemas.microsoft.com/office/drawing/2014/main" xmlns="" id="{9EE42DCE-4A4F-44C4-84E5-261B3BEEF1DA}"/>
               </a:ext>
               <a:ext uri="{C183D7F6-B498-43B3-948B-1728B52AA6E4}">
-                <adec:decorative xmlns:adec="http://schemas.microsoft.com/office/drawing/2017/decorative" val="1"/>
+                <adec:decorative xmlns:adec="http://schemas.microsoft.com/office/drawing/2017/decorative" xmlns="" val="1"/>
               </a:ext>
             </a:extLst>
           </p:cNvPr>
@@ -5176,7 +5192,7 @@
           <p:nvPr>
             <p:extLst>
               <p:ext uri="{386F3935-93C4-4BCD-93E2-E3B085C9AB24}">
-                <p16:designElem xmlns:p16="http://schemas.microsoft.com/office/powerpoint/2015/main" val="1"/>
+                <p16:designElem xmlns:p16="http://schemas.microsoft.com/office/powerpoint/2015/main" xmlns="" val="1"/>
               </p:ext>
             </p:extLst>
           </p:nvPr>
@@ -5223,7 +5239,7 @@
           <p:cNvPr id="2" name="Заголовок 1">
             <a:extLst>
               <a:ext uri="{FF2B5EF4-FFF2-40B4-BE49-F238E27FC236}">
-                <a16:creationId xmlns:a16="http://schemas.microsoft.com/office/drawing/2014/main" id="{F3138679-6CED-45AC-A461-0C118B56170D}"/>
+                <a16:creationId xmlns:a16="http://schemas.microsoft.com/office/drawing/2014/main" xmlns="" id="{F3138679-6CED-45AC-A461-0C118B56170D}"/>
               </a:ext>
             </a:extLst>
           </p:cNvPr>
@@ -5276,10 +5292,10 @@
           <p:cNvPr id="12" name="Rectangle 11">
             <a:extLst>
               <a:ext uri="{FF2B5EF4-FFF2-40B4-BE49-F238E27FC236}">
-                <a16:creationId xmlns:a16="http://schemas.microsoft.com/office/drawing/2014/main" id="{887F59F2-5FBC-40CD-AD35-376AECE49EA6}"/>
+                <a16:creationId xmlns:a16="http://schemas.microsoft.com/office/drawing/2014/main" xmlns="" id="{887F59F2-5FBC-40CD-AD35-376AECE49EA6}"/>
               </a:ext>
               <a:ext uri="{C183D7F6-B498-43B3-948B-1728B52AA6E4}">
-                <adec:decorative xmlns:adec="http://schemas.microsoft.com/office/drawing/2017/decorative" val="1"/>
+                <adec:decorative xmlns:adec="http://schemas.microsoft.com/office/drawing/2017/decorative" xmlns="" val="1"/>
               </a:ext>
             </a:extLst>
           </p:cNvPr>
@@ -5289,7 +5305,7 @@
           <p:nvPr>
             <p:extLst>
               <p:ext uri="{386F3935-93C4-4BCD-93E2-E3B085C9AB24}">
-                <p16:designElem xmlns:p16="http://schemas.microsoft.com/office/powerpoint/2015/main" val="1"/>
+                <p16:designElem xmlns:p16="http://schemas.microsoft.com/office/powerpoint/2015/main" xmlns="" val="1"/>
               </p:ext>
             </p:extLst>
           </p:nvPr>
@@ -5339,7 +5355,7 @@
           <p:cNvPr id="5" name="Рисунок 4" descr="Изображение выглядит как текст&#10;&#10;Автоматически созданное описание">
             <a:extLst>
               <a:ext uri="{FF2B5EF4-FFF2-40B4-BE49-F238E27FC236}">
-                <a16:creationId xmlns:a16="http://schemas.microsoft.com/office/drawing/2014/main" id="{FBF1D2E9-91CA-4DD3-8822-D54D653BEF13}"/>
+                <a16:creationId xmlns:a16="http://schemas.microsoft.com/office/drawing/2014/main" xmlns="" id="{FBF1D2E9-91CA-4DD3-8822-D54D653BEF13}"/>
               </a:ext>
             </a:extLst>
           </p:cNvPr>
@@ -5369,7 +5385,7 @@
           <p:cNvPr id="3" name="Объект 2">
             <a:extLst>
               <a:ext uri="{FF2B5EF4-FFF2-40B4-BE49-F238E27FC236}">
-                <a16:creationId xmlns:a16="http://schemas.microsoft.com/office/drawing/2014/main" id="{01CC78A8-7411-4DA0-884E-2DA2B489689F}"/>
+                <a16:creationId xmlns:a16="http://schemas.microsoft.com/office/drawing/2014/main" xmlns="" id="{01CC78A8-7411-4DA0-884E-2DA2B489689F}"/>
               </a:ext>
             </a:extLst>
           </p:cNvPr>
@@ -5408,10 +5424,10 @@
           <p:cNvPr id="14" name="Rectangle 13">
             <a:extLst>
               <a:ext uri="{FF2B5EF4-FFF2-40B4-BE49-F238E27FC236}">
-                <a16:creationId xmlns:a16="http://schemas.microsoft.com/office/drawing/2014/main" id="{02AF664E-956D-40D1-9B64-72A7857083AB}"/>
+                <a16:creationId xmlns:a16="http://schemas.microsoft.com/office/drawing/2014/main" xmlns="" id="{02AF664E-956D-40D1-9B64-72A7857083AB}"/>
               </a:ext>
               <a:ext uri="{C183D7F6-B498-43B3-948B-1728B52AA6E4}">
-                <adec:decorative xmlns:adec="http://schemas.microsoft.com/office/drawing/2017/decorative" val="1"/>
+                <adec:decorative xmlns:adec="http://schemas.microsoft.com/office/drawing/2017/decorative" xmlns="" val="1"/>
               </a:ext>
             </a:extLst>
           </p:cNvPr>
@@ -5421,7 +5437,7 @@
           <p:nvPr>
             <p:extLst>
               <p:ext uri="{386F3935-93C4-4BCD-93E2-E3B085C9AB24}">
-                <p16:designElem xmlns:p16="http://schemas.microsoft.com/office/powerpoint/2015/main" val="1"/>
+                <p16:designElem xmlns:p16="http://schemas.microsoft.com/office/powerpoint/2015/main" xmlns="" val="1"/>
               </p:ext>
             </p:extLst>
           </p:nvPr>
@@ -5501,7 +5517,7 @@
           <p:cNvPr id="2" name="Заголовок 1">
             <a:extLst>
               <a:ext uri="{FF2B5EF4-FFF2-40B4-BE49-F238E27FC236}">
-                <a16:creationId xmlns:a16="http://schemas.microsoft.com/office/drawing/2014/main" id="{E8480A1A-D558-4E9A-BC4D-0CF7F1A99663}"/>
+                <a16:creationId xmlns:a16="http://schemas.microsoft.com/office/drawing/2014/main" xmlns="" id="{E8480A1A-D558-4E9A-BC4D-0CF7F1A99663}"/>
               </a:ext>
             </a:extLst>
           </p:cNvPr>
@@ -5541,7 +5557,7 @@
           <p:cNvPr id="3" name="Объект 2">
             <a:extLst>
               <a:ext uri="{FF2B5EF4-FFF2-40B4-BE49-F238E27FC236}">
-                <a16:creationId xmlns:a16="http://schemas.microsoft.com/office/drawing/2014/main" id="{67C8EA9E-4449-4966-ACA0-1AF271D654AB}"/>
+                <a16:creationId xmlns:a16="http://schemas.microsoft.com/office/drawing/2014/main" xmlns="" id="{67C8EA9E-4449-4966-ACA0-1AF271D654AB}"/>
               </a:ext>
             </a:extLst>
           </p:cNvPr>
@@ -5677,7 +5693,7 @@
           <p:cNvPr id="2" name="Заголовок 1">
             <a:extLst>
               <a:ext uri="{FF2B5EF4-FFF2-40B4-BE49-F238E27FC236}">
-                <a16:creationId xmlns:a16="http://schemas.microsoft.com/office/drawing/2014/main" id="{E79A2C6D-0585-442F-999E-4B42FB4B9F4E}"/>
+                <a16:creationId xmlns:a16="http://schemas.microsoft.com/office/drawing/2014/main" xmlns="" id="{E79A2C6D-0585-442F-999E-4B42FB4B9F4E}"/>
               </a:ext>
             </a:extLst>
           </p:cNvPr>
@@ -5700,6 +5716,16 @@
                 <a:latin typeface="Söhne"/>
               </a:rPr>
               <a:t>Отправка эхо-запроса на указанный IP-адрес</a:t>
+            </a:r>
+            <a:r>
+              <a:rPr lang="ru-RU" b="0" i="0" dirty="0">
+                <a:solidFill>
+                  <a:srgbClr val="D1D5DB"/>
+                </a:solidFill>
+                <a:effectLst/>
+                <a:latin typeface="Söhne"/>
+              </a:rPr>
+              <a:t/>
             </a:r>
             <a:br>
               <a:rPr lang="ru-RU" b="0" i="0" dirty="0">
@@ -5719,7 +5745,7 @@
           <p:cNvPr id="3" name="Объект 2">
             <a:extLst>
               <a:ext uri="{FF2B5EF4-FFF2-40B4-BE49-F238E27FC236}">
-                <a16:creationId xmlns:a16="http://schemas.microsoft.com/office/drawing/2014/main" id="{F66DFF0E-89F0-4B3E-B612-11EFD64FB6AC}"/>
+                <a16:creationId xmlns:a16="http://schemas.microsoft.com/office/drawing/2014/main" xmlns="" id="{F66DFF0E-89F0-4B3E-B612-11EFD64FB6AC}"/>
               </a:ext>
             </a:extLst>
           </p:cNvPr>
@@ -5820,10 +5846,10 @@
           <p:cNvPr id="1033" name="Rectangle 1032">
             <a:extLst>
               <a:ext uri="{FF2B5EF4-FFF2-40B4-BE49-F238E27FC236}">
-                <a16:creationId xmlns:a16="http://schemas.microsoft.com/office/drawing/2014/main" id="{A082E5AA-6E5F-4FCC-8C41-11E32F833BFC}"/>
+                <a16:creationId xmlns:a16="http://schemas.microsoft.com/office/drawing/2014/main" xmlns="" id="{A082E5AA-6E5F-4FCC-8C41-11E32F833BFC}"/>
               </a:ext>
               <a:ext uri="{C183D7F6-B498-43B3-948B-1728B52AA6E4}">
-                <adec:decorative xmlns:adec="http://schemas.microsoft.com/office/drawing/2017/decorative" val="1"/>
+                <adec:decorative xmlns:adec="http://schemas.microsoft.com/office/drawing/2017/decorative" xmlns="" val="1"/>
               </a:ext>
             </a:extLst>
           </p:cNvPr>
@@ -5833,7 +5859,7 @@
           <p:nvPr>
             <p:extLst>
               <p:ext uri="{386F3935-93C4-4BCD-93E2-E3B085C9AB24}">
-                <p16:designElem xmlns:p16="http://schemas.microsoft.com/office/powerpoint/2015/main" val="1"/>
+                <p16:designElem xmlns:p16="http://schemas.microsoft.com/office/powerpoint/2015/main" xmlns="" val="1"/>
               </p:ext>
             </p:extLst>
           </p:nvPr>
@@ -5880,7 +5906,7 @@
           <p:cNvPr id="2" name="Заголовок 1">
             <a:extLst>
               <a:ext uri="{FF2B5EF4-FFF2-40B4-BE49-F238E27FC236}">
-                <a16:creationId xmlns:a16="http://schemas.microsoft.com/office/drawing/2014/main" id="{7E99FA13-5815-4FCC-BCAA-8DC0389684BF}"/>
+                <a16:creationId xmlns:a16="http://schemas.microsoft.com/office/drawing/2014/main" xmlns="" id="{7E99FA13-5815-4FCC-BCAA-8DC0389684BF}"/>
               </a:ext>
             </a:extLst>
           </p:cNvPr>
@@ -5921,6 +5947,12 @@
               </a:rPr>
               <a:t>ping 192.168.1.1</a:t>
             </a:r>
+            <a:r>
+              <a:rPr lang="ru-RU" dirty="0">
+                <a:latin typeface="Söhne"/>
+              </a:rPr>
+              <a:t/>
+            </a:r>
             <a:br>
               <a:rPr lang="ru-RU" dirty="0">
                 <a:latin typeface="Söhne"/>
@@ -5935,10 +5967,10 @@
           <p:cNvPr id="1035" name="Rectangle 1034">
             <a:extLst>
               <a:ext uri="{FF2B5EF4-FFF2-40B4-BE49-F238E27FC236}">
-                <a16:creationId xmlns:a16="http://schemas.microsoft.com/office/drawing/2014/main" id="{92BE0106-0C20-465B-A1BE-0BAC2737B1AD}"/>
+                <a16:creationId xmlns:a16="http://schemas.microsoft.com/office/drawing/2014/main" xmlns="" id="{92BE0106-0C20-465B-A1BE-0BAC2737B1AD}"/>
               </a:ext>
               <a:ext uri="{C183D7F6-B498-43B3-948B-1728B52AA6E4}">
-                <adec:decorative xmlns:adec="http://schemas.microsoft.com/office/drawing/2017/decorative" val="1"/>
+                <adec:decorative xmlns:adec="http://schemas.microsoft.com/office/drawing/2017/decorative" xmlns="" val="1"/>
               </a:ext>
             </a:extLst>
           </p:cNvPr>
@@ -5948,7 +5980,7 @@
           <p:nvPr>
             <p:extLst>
               <p:ext uri="{386F3935-93C4-4BCD-93E2-E3B085C9AB24}">
-                <p16:designElem xmlns:p16="http://schemas.microsoft.com/office/powerpoint/2015/main" val="1"/>
+                <p16:designElem xmlns:p16="http://schemas.microsoft.com/office/powerpoint/2015/main" xmlns="" val="1"/>
               </p:ext>
             </p:extLst>
           </p:nvPr>
@@ -5998,10 +6030,10 @@
           <p:cNvPr id="1037" name="Rectangle 1036">
             <a:extLst>
               <a:ext uri="{FF2B5EF4-FFF2-40B4-BE49-F238E27FC236}">
-                <a16:creationId xmlns:a16="http://schemas.microsoft.com/office/drawing/2014/main" id="{4A3D569D-D3A6-49CA-A483-291E95DACA14}"/>
+                <a16:creationId xmlns:a16="http://schemas.microsoft.com/office/drawing/2014/main" xmlns="" id="{4A3D569D-D3A6-49CA-A483-291E95DACA14}"/>
               </a:ext>
               <a:ext uri="{C183D7F6-B498-43B3-948B-1728B52AA6E4}">
-                <adec:decorative xmlns:adec="http://schemas.microsoft.com/office/drawing/2017/decorative" val="1"/>
+                <adec:decorative xmlns:adec="http://schemas.microsoft.com/office/drawing/2017/decorative" xmlns="" val="1"/>
               </a:ext>
             </a:extLst>
           </p:cNvPr>
@@ -6011,7 +6043,7 @@
           <p:nvPr>
             <p:extLst>
               <p:ext uri="{386F3935-93C4-4BCD-93E2-E3B085C9AB24}">
-                <p16:designElem xmlns:p16="http://schemas.microsoft.com/office/powerpoint/2015/main" val="1"/>
+                <p16:designElem xmlns:p16="http://schemas.microsoft.com/office/powerpoint/2015/main" xmlns="" val="1"/>
               </p:ext>
             </p:extLst>
           </p:nvPr>
@@ -6061,7 +6093,7 @@
           <p:cNvPr id="1030" name="Content Placeholder 1029">
             <a:extLst>
               <a:ext uri="{FF2B5EF4-FFF2-40B4-BE49-F238E27FC236}">
-                <a16:creationId xmlns:a16="http://schemas.microsoft.com/office/drawing/2014/main" id="{8B7A25F7-F8D3-64BE-AC48-7998C1566A0A}"/>
+                <a16:creationId xmlns:a16="http://schemas.microsoft.com/office/drawing/2014/main" xmlns="" id="{8B7A25F7-F8D3-64BE-AC48-7998C1566A0A}"/>
               </a:ext>
             </a:extLst>
           </p:cNvPr>
@@ -6100,7 +6132,7 @@
           <p:cNvPr id="1026" name="Picture 2" descr="Изображение выглядит как текст&#10;&#10;Автоматически созданное описание">
             <a:extLst>
               <a:ext uri="{FF2B5EF4-FFF2-40B4-BE49-F238E27FC236}">
-                <a16:creationId xmlns:a16="http://schemas.microsoft.com/office/drawing/2014/main" id="{C182CEB3-1541-4A9D-89A2-807AFB108DCA}"/>
+                <a16:creationId xmlns:a16="http://schemas.microsoft.com/office/drawing/2014/main" xmlns="" id="{C182CEB3-1541-4A9D-89A2-807AFB108DCA}"/>
               </a:ext>
             </a:extLst>
           </p:cNvPr>
@@ -6176,7 +6208,7 @@
           <p:cNvPr id="2" name="Заголовок 1">
             <a:extLst>
               <a:ext uri="{FF2B5EF4-FFF2-40B4-BE49-F238E27FC236}">
-                <a16:creationId xmlns:a16="http://schemas.microsoft.com/office/drawing/2014/main" id="{764139BC-7A0F-4EB6-A16B-7D996B774B7C}"/>
+                <a16:creationId xmlns:a16="http://schemas.microsoft.com/office/drawing/2014/main" xmlns="" id="{764139BC-7A0F-4EB6-A16B-7D996B774B7C}"/>
               </a:ext>
             </a:extLst>
           </p:cNvPr>
@@ -6209,7 +6241,7 @@
           <p:cNvPr id="3" name="Объект 2">
             <a:extLst>
               <a:ext uri="{FF2B5EF4-FFF2-40B4-BE49-F238E27FC236}">
-                <a16:creationId xmlns:a16="http://schemas.microsoft.com/office/drawing/2014/main" id="{9AC12577-22DD-43C4-8174-08C3B96560EA}"/>
+                <a16:creationId xmlns:a16="http://schemas.microsoft.com/office/drawing/2014/main" xmlns="" id="{9AC12577-22DD-43C4-8174-08C3B96560EA}"/>
               </a:ext>
             </a:extLst>
           </p:cNvPr>
@@ -6335,10 +6367,10 @@
           <p:cNvPr id="3079" name="Rectangle 3078">
             <a:extLst>
               <a:ext uri="{FF2B5EF4-FFF2-40B4-BE49-F238E27FC236}">
-                <a16:creationId xmlns:a16="http://schemas.microsoft.com/office/drawing/2014/main" id="{A082E5AA-6E5F-4FCC-8C41-11E32F833BFC}"/>
+                <a16:creationId xmlns:a16="http://schemas.microsoft.com/office/drawing/2014/main" xmlns="" id="{A082E5AA-6E5F-4FCC-8C41-11E32F833BFC}"/>
               </a:ext>
               <a:ext uri="{C183D7F6-B498-43B3-948B-1728B52AA6E4}">
-                <adec:decorative xmlns:adec="http://schemas.microsoft.com/office/drawing/2017/decorative" val="1"/>
+                <adec:decorative xmlns:adec="http://schemas.microsoft.com/office/drawing/2017/decorative" xmlns="" val="1"/>
               </a:ext>
             </a:extLst>
           </p:cNvPr>
@@ -6348,7 +6380,7 @@
           <p:nvPr>
             <p:extLst>
               <p:ext uri="{386F3935-93C4-4BCD-93E2-E3B085C9AB24}">
-                <p16:designElem xmlns:p16="http://schemas.microsoft.com/office/powerpoint/2015/main" val="1"/>
+                <p16:designElem xmlns:p16="http://schemas.microsoft.com/office/powerpoint/2015/main" xmlns="" val="1"/>
               </p:ext>
             </p:extLst>
           </p:nvPr>
@@ -6395,7 +6427,7 @@
           <p:cNvPr id="2" name="Заголовок 1">
             <a:extLst>
               <a:ext uri="{FF2B5EF4-FFF2-40B4-BE49-F238E27FC236}">
-                <a16:creationId xmlns:a16="http://schemas.microsoft.com/office/drawing/2014/main" id="{772E9E16-1DBE-474E-97CD-AE0AD50BC0AC}"/>
+                <a16:creationId xmlns:a16="http://schemas.microsoft.com/office/drawing/2014/main" xmlns="" id="{772E9E16-1DBE-474E-97CD-AE0AD50BC0AC}"/>
               </a:ext>
             </a:extLst>
           </p:cNvPr>
@@ -6429,12 +6461,25 @@
               </a:rPr>
               <a:t>ping -r 4 192.168.1.1</a:t>
             </a:r>
+            <a:r>
+              <a:rPr lang="ru-RU" b="0" i="0" dirty="0">
+                <a:effectLst/>
+                <a:latin typeface="Söhne Mono"/>
+              </a:rPr>
+              <a:t/>
+            </a:r>
             <a:br>
               <a:rPr lang="ru-RU" b="0" i="0" dirty="0">
                 <a:effectLst/>
                 <a:latin typeface="Söhne Mono"/>
               </a:rPr>
             </a:br>
+            <a:r>
+              <a:rPr lang="ru-RU" dirty="0">
+                <a:latin typeface="Söhne"/>
+              </a:rPr>
+              <a:t/>
+            </a:r>
             <a:br>
               <a:rPr lang="ru-RU" dirty="0">
                 <a:latin typeface="Söhne"/>
@@ -6449,10 +6494,10 @@
           <p:cNvPr id="3081" name="Rectangle 3080">
             <a:extLst>
               <a:ext uri="{FF2B5EF4-FFF2-40B4-BE49-F238E27FC236}">
-                <a16:creationId xmlns:a16="http://schemas.microsoft.com/office/drawing/2014/main" id="{92BE0106-0C20-465B-A1BE-0BAC2737B1AD}"/>
+                <a16:creationId xmlns:a16="http://schemas.microsoft.com/office/drawing/2014/main" xmlns="" id="{92BE0106-0C20-465B-A1BE-0BAC2737B1AD}"/>
               </a:ext>
               <a:ext uri="{C183D7F6-B498-43B3-948B-1728B52AA6E4}">
-                <adec:decorative xmlns:adec="http://schemas.microsoft.com/office/drawing/2017/decorative" val="1"/>
+                <adec:decorative xmlns:adec="http://schemas.microsoft.com/office/drawing/2017/decorative" xmlns="" val="1"/>
               </a:ext>
             </a:extLst>
           </p:cNvPr>
@@ -6462,7 +6507,7 @@
           <p:nvPr>
             <p:extLst>
               <p:ext uri="{386F3935-93C4-4BCD-93E2-E3B085C9AB24}">
-                <p16:designElem xmlns:p16="http://schemas.microsoft.com/office/powerpoint/2015/main" val="1"/>
+                <p16:designElem xmlns:p16="http://schemas.microsoft.com/office/powerpoint/2015/main" xmlns="" val="1"/>
               </p:ext>
             </p:extLst>
           </p:nvPr>
@@ -6512,10 +6557,10 @@
           <p:cNvPr id="3083" name="Rectangle 3082">
             <a:extLst>
               <a:ext uri="{FF2B5EF4-FFF2-40B4-BE49-F238E27FC236}">
-                <a16:creationId xmlns:a16="http://schemas.microsoft.com/office/drawing/2014/main" id="{4A3D569D-D3A6-49CA-A483-291E95DACA14}"/>
+                <a16:creationId xmlns:a16="http://schemas.microsoft.com/office/drawing/2014/main" xmlns="" id="{4A3D569D-D3A6-49CA-A483-291E95DACA14}"/>
               </a:ext>
               <a:ext uri="{C183D7F6-B498-43B3-948B-1728B52AA6E4}">
-                <adec:decorative xmlns:adec="http://schemas.microsoft.com/office/drawing/2017/decorative" val="1"/>
+                <adec:decorative xmlns:adec="http://schemas.microsoft.com/office/drawing/2017/decorative" xmlns="" val="1"/>
               </a:ext>
             </a:extLst>
           </p:cNvPr>
@@ -6525,7 +6570,7 @@
           <p:nvPr>
             <p:extLst>
               <p:ext uri="{386F3935-93C4-4BCD-93E2-E3B085C9AB24}">
-                <p16:designElem xmlns:p16="http://schemas.microsoft.com/office/powerpoint/2015/main" val="1"/>
+                <p16:designElem xmlns:p16="http://schemas.microsoft.com/office/powerpoint/2015/main" xmlns="" val="1"/>
               </p:ext>
             </p:extLst>
           </p:nvPr>
@@ -6575,7 +6620,7 @@
           <p:cNvPr id="3" name="Объект 2">
             <a:extLst>
               <a:ext uri="{FF2B5EF4-FFF2-40B4-BE49-F238E27FC236}">
-                <a16:creationId xmlns:a16="http://schemas.microsoft.com/office/drawing/2014/main" id="{340F0249-FE41-4CE1-B617-B38FCE0E29AC}"/>
+                <a16:creationId xmlns:a16="http://schemas.microsoft.com/office/drawing/2014/main" xmlns="" id="{340F0249-FE41-4CE1-B617-B38FCE0E29AC}"/>
               </a:ext>
             </a:extLst>
           </p:cNvPr>
@@ -6610,7 +6655,7 @@
           <p:cNvPr id="3074" name="Picture 2" descr="Изображение выглядит как текст&#10;&#10;Автоматически созданное описание">
             <a:extLst>
               <a:ext uri="{FF2B5EF4-FFF2-40B4-BE49-F238E27FC236}">
-                <a16:creationId xmlns:a16="http://schemas.microsoft.com/office/drawing/2014/main" id="{97216636-9090-42D7-83F5-6E26E5454D39}"/>
+                <a16:creationId xmlns:a16="http://schemas.microsoft.com/office/drawing/2014/main" xmlns="" id="{97216636-9090-42D7-83F5-6E26E5454D39}"/>
               </a:ext>
             </a:extLst>
           </p:cNvPr>
@@ -6686,7 +6731,7 @@
           <p:cNvPr id="2" name="Заголовок 1">
             <a:extLst>
               <a:ext uri="{FF2B5EF4-FFF2-40B4-BE49-F238E27FC236}">
-                <a16:creationId xmlns:a16="http://schemas.microsoft.com/office/drawing/2014/main" id="{358BC3B1-54E5-494B-99D0-6943D4E5E4FC}"/>
+                <a16:creationId xmlns:a16="http://schemas.microsoft.com/office/drawing/2014/main" xmlns="" id="{358BC3B1-54E5-494B-99D0-6943D4E5E4FC}"/>
               </a:ext>
             </a:extLst>
           </p:cNvPr>
@@ -6716,6 +6761,16 @@
                 <a:latin typeface="Söhne"/>
               </a:rPr>
               <a:t>пинга</a:t>
+            </a:r>
+            <a:r>
+              <a:rPr lang="ru-RU" b="0" i="0" dirty="0">
+                <a:solidFill>
+                  <a:srgbClr val="D1D5DB"/>
+                </a:solidFill>
+                <a:effectLst/>
+                <a:latin typeface="Söhne"/>
+              </a:rPr>
+              <a:t/>
             </a:r>
             <a:br>
               <a:rPr lang="ru-RU" b="0" i="0" dirty="0">
@@ -6735,7 +6790,7 @@
           <p:cNvPr id="3" name="Объект 2">
             <a:extLst>
               <a:ext uri="{FF2B5EF4-FFF2-40B4-BE49-F238E27FC236}">
-                <a16:creationId xmlns:a16="http://schemas.microsoft.com/office/drawing/2014/main" id="{74287094-7A2D-426C-8F73-54B4EA33677F}"/>
+                <a16:creationId xmlns:a16="http://schemas.microsoft.com/office/drawing/2014/main" xmlns="" id="{74287094-7A2D-426C-8F73-54B4EA33677F}"/>
               </a:ext>
             </a:extLst>
           </p:cNvPr>
@@ -6885,10 +6940,10 @@
           <p:cNvPr id="4103" name="Rectangle 4102">
             <a:extLst>
               <a:ext uri="{FF2B5EF4-FFF2-40B4-BE49-F238E27FC236}">
-                <a16:creationId xmlns:a16="http://schemas.microsoft.com/office/drawing/2014/main" id="{A082E5AA-6E5F-4FCC-8C41-11E32F833BFC}"/>
+                <a16:creationId xmlns:a16="http://schemas.microsoft.com/office/drawing/2014/main" xmlns="" id="{A082E5AA-6E5F-4FCC-8C41-11E32F833BFC}"/>
               </a:ext>
               <a:ext uri="{C183D7F6-B498-43B3-948B-1728B52AA6E4}">
-                <adec:decorative xmlns:adec="http://schemas.microsoft.com/office/drawing/2017/decorative" val="1"/>
+                <adec:decorative xmlns:adec="http://schemas.microsoft.com/office/drawing/2017/decorative" xmlns="" val="1"/>
               </a:ext>
             </a:extLst>
           </p:cNvPr>
@@ -6898,7 +6953,7 @@
           <p:nvPr>
             <p:extLst>
               <p:ext uri="{386F3935-93C4-4BCD-93E2-E3B085C9AB24}">
-                <p16:designElem xmlns:p16="http://schemas.microsoft.com/office/powerpoint/2015/main" val="1"/>
+                <p16:designElem xmlns:p16="http://schemas.microsoft.com/office/powerpoint/2015/main" xmlns="" val="1"/>
               </p:ext>
             </p:extLst>
           </p:nvPr>
@@ -6945,7 +7000,7 @@
           <p:cNvPr id="2" name="Заголовок 1">
             <a:extLst>
               <a:ext uri="{FF2B5EF4-FFF2-40B4-BE49-F238E27FC236}">
-                <a16:creationId xmlns:a16="http://schemas.microsoft.com/office/drawing/2014/main" id="{B2363A7A-F5F3-4368-8B2C-309B97CDF524}"/>
+                <a16:creationId xmlns:a16="http://schemas.microsoft.com/office/drawing/2014/main" xmlns="" id="{B2363A7A-F5F3-4368-8B2C-309B97CDF524}"/>
               </a:ext>
             </a:extLst>
           </p:cNvPr>
@@ -6980,6 +7035,10 @@
               </a:rPr>
               <a:t>ping -t 192.168.1.1</a:t>
             </a:r>
+            <a:r>
+              <a:rPr lang="ru-RU" dirty="0"/>
+              <a:t/>
+            </a:r>
             <a:br>
               <a:rPr lang="ru-RU" dirty="0"/>
             </a:br>
@@ -6992,10 +7051,10 @@
           <p:cNvPr id="4105" name="Rectangle 4104">
             <a:extLst>
               <a:ext uri="{FF2B5EF4-FFF2-40B4-BE49-F238E27FC236}">
-                <a16:creationId xmlns:a16="http://schemas.microsoft.com/office/drawing/2014/main" id="{92BE0106-0C20-465B-A1BE-0BAC2737B1AD}"/>
+                <a16:creationId xmlns:a16="http://schemas.microsoft.com/office/drawing/2014/main" xmlns="" id="{92BE0106-0C20-465B-A1BE-0BAC2737B1AD}"/>
               </a:ext>
               <a:ext uri="{C183D7F6-B498-43B3-948B-1728B52AA6E4}">
-                <adec:decorative xmlns:adec="http://schemas.microsoft.com/office/drawing/2017/decorative" val="1"/>
+                <adec:decorative xmlns:adec="http://schemas.microsoft.com/office/drawing/2017/decorative" xmlns="" val="1"/>
               </a:ext>
             </a:extLst>
           </p:cNvPr>
@@ -7005,7 +7064,7 @@
           <p:nvPr>
             <p:extLst>
               <p:ext uri="{386F3935-93C4-4BCD-93E2-E3B085C9AB24}">
-                <p16:designElem xmlns:p16="http://schemas.microsoft.com/office/powerpoint/2015/main" val="1"/>
+                <p16:designElem xmlns:p16="http://schemas.microsoft.com/office/powerpoint/2015/main" xmlns="" val="1"/>
               </p:ext>
             </p:extLst>
           </p:nvPr>
@@ -7055,10 +7114,10 @@
           <p:cNvPr id="4107" name="Rectangle 4106">
             <a:extLst>
               <a:ext uri="{FF2B5EF4-FFF2-40B4-BE49-F238E27FC236}">
-                <a16:creationId xmlns:a16="http://schemas.microsoft.com/office/drawing/2014/main" id="{4A3D569D-D3A6-49CA-A483-291E95DACA14}"/>
+                <a16:creationId xmlns:a16="http://schemas.microsoft.com/office/drawing/2014/main" xmlns="" id="{4A3D569D-D3A6-49CA-A483-291E95DACA14}"/>
               </a:ext>
               <a:ext uri="{C183D7F6-B498-43B3-948B-1728B52AA6E4}">
-                <adec:decorative xmlns:adec="http://schemas.microsoft.com/office/drawing/2017/decorative" val="1"/>
+                <adec:decorative xmlns:adec="http://schemas.microsoft.com/office/drawing/2017/decorative" xmlns="" val="1"/>
               </a:ext>
             </a:extLst>
           </p:cNvPr>
@@ -7068,7 +7127,7 @@
           <p:nvPr>
             <p:extLst>
               <p:ext uri="{386F3935-93C4-4BCD-93E2-E3B085C9AB24}">
-                <p16:designElem xmlns:p16="http://schemas.microsoft.com/office/powerpoint/2015/main" val="1"/>
+                <p16:designElem xmlns:p16="http://schemas.microsoft.com/office/powerpoint/2015/main" xmlns="" val="1"/>
               </p:ext>
             </p:extLst>
           </p:nvPr>
@@ -7118,7 +7177,7 @@
           <p:cNvPr id="3" name="Объект 2">
             <a:extLst>
               <a:ext uri="{FF2B5EF4-FFF2-40B4-BE49-F238E27FC236}">
-                <a16:creationId xmlns:a16="http://schemas.microsoft.com/office/drawing/2014/main" id="{CE450D2E-E119-416B-BC75-F81574AB0881}"/>
+                <a16:creationId xmlns:a16="http://schemas.microsoft.com/office/drawing/2014/main" xmlns="" id="{CE450D2E-E119-416B-BC75-F81574AB0881}"/>
               </a:ext>
             </a:extLst>
           </p:cNvPr>
@@ -7157,7 +7216,7 @@
           <p:cNvPr id="4098" name="Picture 2">
             <a:extLst>
               <a:ext uri="{FF2B5EF4-FFF2-40B4-BE49-F238E27FC236}">
-                <a16:creationId xmlns:a16="http://schemas.microsoft.com/office/drawing/2014/main" id="{E0C0D888-E343-4BB8-9340-FC9CDB726C88}"/>
+                <a16:creationId xmlns:a16="http://schemas.microsoft.com/office/drawing/2014/main" xmlns="" id="{E0C0D888-E343-4BB8-9340-FC9CDB726C88}"/>
               </a:ext>
             </a:extLst>
           </p:cNvPr>
@@ -7233,7 +7292,7 @@
           <p:cNvPr id="2" name="Заголовок 1">
             <a:extLst>
               <a:ext uri="{FF2B5EF4-FFF2-40B4-BE49-F238E27FC236}">
-                <a16:creationId xmlns:a16="http://schemas.microsoft.com/office/drawing/2014/main" id="{F2C55EB9-27DC-4521-BD78-1D48E9B30510}"/>
+                <a16:creationId xmlns:a16="http://schemas.microsoft.com/office/drawing/2014/main" xmlns="" id="{F2C55EB9-27DC-4521-BD78-1D48E9B30510}"/>
               </a:ext>
             </a:extLst>
           </p:cNvPr>
@@ -7278,7 +7337,7 @@
           <p:cNvPr id="3" name="Объект 2">
             <a:extLst>
               <a:ext uri="{FF2B5EF4-FFF2-40B4-BE49-F238E27FC236}">
-                <a16:creationId xmlns:a16="http://schemas.microsoft.com/office/drawing/2014/main" id="{AF838A90-B291-49E1-9567-14622B413721}"/>
+                <a16:creationId xmlns:a16="http://schemas.microsoft.com/office/drawing/2014/main" xmlns="" id="{AF838A90-B291-49E1-9567-14622B413721}"/>
               </a:ext>
             </a:extLst>
           </p:cNvPr>
